--- a/doc/git.pptx
+++ b/doc/git.pptx
@@ -21,6 +21,8 @@
     <p:sldId id="269" r:id="rId15"/>
     <p:sldId id="271" r:id="rId16"/>
     <p:sldId id="272" r:id="rId17"/>
+    <p:sldId id="274" r:id="rId18"/>
+    <p:sldId id="275" r:id="rId19"/>
   </p:sldIdLst>
   <p:sldSz cx="12192000" cy="6858000"/>
   <p:notesSz cx="6858000" cy="9144000"/>
@@ -222,7 +224,7 @@
           <a:effectLst/>
           <a:extLst>
             <a:ext uri="{91240B29-F687-4f45-9708-019B960494DF}">
-              <a14:hiddenLine xmlns:a14="http://schemas.microsoft.com/office/drawing/2010/main" xmlns="" w="9525">
+              <a14:hiddenLine xmlns="" xmlns:a14="http://schemas.microsoft.com/office/drawing/2010/main" w="9525">
                 <a:solidFill>
                   <a:srgbClr val="000000"/>
                 </a:solidFill>
@@ -415,7 +417,7 @@
             <a:fld id="{08B9EBBA-996F-894A-B54A-D6246ED52CEA}" type="datetimeFigureOut">
               <a:rPr lang="en-US" dirty="0"/>
               <a:pPr/>
-              <a:t>2/6/19</a:t>
+              <a:t>2/7/19</a:t>
             </a:fld>
             <a:endParaRPr lang="en-US" dirty="0"/>
           </a:p>
@@ -735,7 +737,7 @@
             <a:fld id="{18C79C5D-2A6F-F04D-97DA-BEF2467B64E4}" type="datetimeFigureOut">
               <a:rPr lang="en-US" dirty="0"/>
               <a:pPr/>
-              <a:t>2/6/19</a:t>
+              <a:t>2/7/19</a:t>
             </a:fld>
             <a:endParaRPr lang="en-US" dirty="0"/>
           </a:p>
@@ -1230,7 +1232,7 @@
             <a:fld id="{8DFA1846-DA80-1C48-A609-854EA85C59AD}" type="datetimeFigureOut">
               <a:rPr lang="en-US" dirty="0"/>
               <a:pPr/>
-              <a:t>2/6/19</a:t>
+              <a:t>2/7/19</a:t>
             </a:fld>
             <a:endParaRPr lang="en-US" dirty="0"/>
           </a:p>
@@ -1601,7 +1603,7 @@
             <a:fld id="{FBF54567-0DE4-3F47-BF90-CB84690072F9}" type="datetimeFigureOut">
               <a:rPr lang="en-US" dirty="0"/>
               <a:pPr/>
-              <a:t>2/6/19</a:t>
+              <a:t>2/7/19</a:t>
             </a:fld>
             <a:endParaRPr lang="en-US" dirty="0"/>
           </a:p>
@@ -1752,7 +1754,7 @@
           <a:ln/>
           <a:extLst>
             <a:ext uri="{91240B29-F687-4f45-9708-019B960494DF}">
-              <a14:hiddenLine xmlns:a14="http://schemas.microsoft.com/office/drawing/2010/main" xmlns="" w="9525">
+              <a14:hiddenLine xmlns="" xmlns:a14="http://schemas.microsoft.com/office/drawing/2010/main" w="9525">
                 <a:solidFill>
                   <a:srgbClr val="000000"/>
                 </a:solidFill>
@@ -1847,7 +1849,7 @@
             <a:fld id="{C6C52C72-DE31-F449-A4ED-4C594FD91407}" type="datetimeFigureOut">
               <a:rPr lang="en-US" dirty="0"/>
               <a:pPr/>
-              <a:t>2/6/19</a:t>
+              <a:t>2/7/19</a:t>
             </a:fld>
             <a:endParaRPr lang="en-US" dirty="0"/>
           </a:p>
@@ -2000,7 +2002,7 @@
           <a:ln/>
           <a:extLst>
             <a:ext uri="{91240B29-F687-4f45-9708-019B960494DF}">
-              <a14:hiddenLine xmlns:a14="http://schemas.microsoft.com/office/drawing/2010/main" xmlns="" w="9525">
+              <a14:hiddenLine xmlns="" xmlns:a14="http://schemas.microsoft.com/office/drawing/2010/main" w="9525">
                 <a:solidFill>
                   <a:srgbClr val="000000"/>
                 </a:solidFill>
@@ -2105,7 +2107,7 @@
             <a:fld id="{ED62726E-379B-B349-9EED-81ED093FA806}" type="datetimeFigureOut">
               <a:rPr lang="en-US" dirty="0"/>
               <a:pPr/>
-              <a:t>2/6/19</a:t>
+              <a:t>2/7/19</a:t>
             </a:fld>
             <a:endParaRPr lang="en-US" dirty="0"/>
           </a:p>
@@ -2256,7 +2258,7 @@
           <a:ln/>
           <a:extLst>
             <a:ext uri="{91240B29-F687-4f45-9708-019B960494DF}">
-              <a14:hiddenLine xmlns:a14="http://schemas.microsoft.com/office/drawing/2010/main" xmlns="" w="9525">
+              <a14:hiddenLine xmlns="" xmlns:a14="http://schemas.microsoft.com/office/drawing/2010/main" w="9525">
                 <a:solidFill>
                   <a:srgbClr val="000000"/>
                 </a:solidFill>
@@ -2361,7 +2363,7 @@
             <a:fld id="{9B3A1323-8D79-1946-B0D7-40001CF92E9D}" type="datetimeFigureOut">
               <a:rPr lang="en-US" dirty="0"/>
               <a:pPr/>
-              <a:t>2/6/19</a:t>
+              <a:t>2/7/19</a:t>
             </a:fld>
             <a:endParaRPr lang="en-US" dirty="0"/>
           </a:p>
@@ -2706,7 +2708,7 @@
             <a:fld id="{8DFA1846-DA80-1C48-A609-854EA85C59AD}" type="datetimeFigureOut">
               <a:rPr lang="en-US" dirty="0"/>
               <a:pPr/>
-              <a:t>2/6/19</a:t>
+              <a:t>2/7/19</a:t>
             </a:fld>
             <a:endParaRPr lang="en-US" dirty="0"/>
           </a:p>
@@ -2857,7 +2859,7 @@
           <a:ln/>
           <a:extLst>
             <a:ext uri="{91240B29-F687-4f45-9708-019B960494DF}">
-              <a14:hiddenLine xmlns:a14="http://schemas.microsoft.com/office/drawing/2010/main" xmlns="" w="9525">
+              <a14:hiddenLine xmlns="" xmlns:a14="http://schemas.microsoft.com/office/drawing/2010/main" w="9525">
                 <a:solidFill>
                   <a:srgbClr val="000000"/>
                 </a:solidFill>
@@ -2994,7 +2996,7 @@
             <a:fld id="{57302355-E14B-8545-A8F8-0FE83CC9D524}" type="datetimeFigureOut">
               <a:rPr lang="en-US" dirty="0"/>
               <a:pPr/>
-              <a:t>2/6/19</a:t>
+              <a:t>2/7/19</a:t>
             </a:fld>
             <a:endParaRPr lang="en-US" dirty="0"/>
           </a:p>
@@ -3145,7 +3147,7 @@
           <a:ln/>
           <a:extLst>
             <a:ext uri="{91240B29-F687-4f45-9708-019B960494DF}">
-              <a14:hiddenLine xmlns:a14="http://schemas.microsoft.com/office/drawing/2010/main" xmlns="" w="9525">
+              <a14:hiddenLine xmlns="" xmlns:a14="http://schemas.microsoft.com/office/drawing/2010/main" w="9525">
                 <a:solidFill>
                   <a:srgbClr val="000000"/>
                 </a:solidFill>
@@ -3430,7 +3432,7 @@
             <a:fld id="{02640F58-564D-2B4F-AE67-E407BA4FCF45}" type="datetimeFigureOut">
               <a:rPr lang="en-US" dirty="0"/>
               <a:pPr/>
-              <a:t>2/6/19</a:t>
+              <a:t>2/7/19</a:t>
             </a:fld>
             <a:endParaRPr lang="en-US" dirty="0"/>
           </a:p>
@@ -3581,7 +3583,7 @@
           <a:ln/>
           <a:extLst>
             <a:ext uri="{91240B29-F687-4f45-9708-019B960494DF}">
-              <a14:hiddenLine xmlns:a14="http://schemas.microsoft.com/office/drawing/2010/main" xmlns="" w="9525">
+              <a14:hiddenLine xmlns="" xmlns:a14="http://schemas.microsoft.com/office/drawing/2010/main" w="9525">
                 <a:solidFill>
                   <a:srgbClr val="000000"/>
                 </a:solidFill>
@@ -3648,7 +3650,7 @@
             <a:fld id="{F13A34C8-038E-2045-AF43-DF7DBB8E0E9E}" type="datetimeFigureOut">
               <a:rPr lang="en-US" dirty="0"/>
               <a:pPr/>
-              <a:t>2/6/19</a:t>
+              <a:t>2/7/19</a:t>
             </a:fld>
             <a:endParaRPr lang="en-US" dirty="0"/>
           </a:p>
@@ -3740,7 +3742,7 @@
             <a:fld id="{8818C68F-D26B-8F47-958C-23B49CF8A634}" type="datetimeFigureOut">
               <a:rPr lang="en-US" dirty="0"/>
               <a:pPr/>
-              <a:t>2/6/19</a:t>
+              <a:t>2/7/19</a:t>
             </a:fld>
             <a:endParaRPr lang="en-US" dirty="0"/>
           </a:p>
@@ -4004,7 +4006,7 @@
           <a:ln/>
           <a:extLst>
             <a:ext uri="{91240B29-F687-4f45-9708-019B960494DF}">
-              <a14:hiddenLine xmlns:a14="http://schemas.microsoft.com/office/drawing/2010/main" xmlns="" w="9525">
+              <a14:hiddenLine xmlns="" xmlns:a14="http://schemas.microsoft.com/office/drawing/2010/main" w="9525">
                 <a:solidFill>
                   <a:srgbClr val="000000"/>
                 </a:solidFill>
@@ -4185,7 +4187,7 @@
             <a:fld id="{D0DF5E60-9974-AC48-9591-99C2BB44B7CF}" type="datetimeFigureOut">
               <a:rPr lang="en-US" dirty="0"/>
               <a:pPr/>
-              <a:t>2/6/19</a:t>
+              <a:t>2/7/19</a:t>
             </a:fld>
             <a:endParaRPr lang="en-US" dirty="0"/>
           </a:p>
@@ -4500,7 +4502,7 @@
             <a:fld id="{18C79C5D-2A6F-F04D-97DA-BEF2467B64E4}" type="datetimeFigureOut">
               <a:rPr lang="en-US" dirty="0"/>
               <a:pPr/>
-              <a:t>2/6/19</a:t>
+              <a:t>2/7/19</a:t>
             </a:fld>
             <a:endParaRPr lang="en-US" dirty="0"/>
           </a:p>
@@ -4743,7 +4745,7 @@
             <a:fld id="{09B482E8-6E0E-1B4F-B1FD-C69DB9E858D9}" type="datetimeFigureOut">
               <a:rPr lang="en-US" dirty="0"/>
               <a:pPr/>
-              <a:t>2/6/19</a:t>
+              <a:t>2/7/19</a:t>
             </a:fld>
             <a:endParaRPr lang="en-US" dirty="0"/>
           </a:p>
@@ -11243,6 +11245,3534 @@
 </p:sld>
 </file>
 
+<file path=ppt/slides/slide17.xml><?xml version="1.0" encoding="utf-8"?>
+<p:sld xmlns:a="http://schemas.openxmlformats.org/drawingml/2006/main" xmlns:r="http://schemas.openxmlformats.org/officeDocument/2006/relationships" xmlns:p="http://schemas.openxmlformats.org/presentationml/2006/main">
+  <p:cSld>
+    <p:spTree>
+      <p:nvGrpSpPr>
+        <p:cNvPr id="1" name=""/>
+        <p:cNvGrpSpPr/>
+        <p:nvPr/>
+      </p:nvGrpSpPr>
+      <p:grpSpPr>
+        <a:xfrm>
+          <a:off x="0" y="0"/>
+          <a:ext cx="0" cy="0"/>
+          <a:chOff x="0" y="0"/>
+          <a:chExt cx="0" cy="0"/>
+        </a:xfrm>
+      </p:grpSpPr>
+      <p:sp>
+        <p:nvSpPr>
+          <p:cNvPr id="2" name="Titel 1">
+            <a:extLst>
+              <a:ext uri="{FF2B5EF4-FFF2-40B4-BE49-F238E27FC236}">
+                <a16:creationId xmlns:a16="http://schemas.microsoft.com/office/drawing/2014/main" id="{8C67FBD9-174D-9047-B053-9AACB06EF32F}"/>
+              </a:ext>
+            </a:extLst>
+          </p:cNvPr>
+          <p:cNvSpPr>
+            <a:spLocks noGrp="1"/>
+          </p:cNvSpPr>
+          <p:nvPr>
+            <p:ph type="ctrTitle"/>
+          </p:nvPr>
+        </p:nvSpPr>
+        <p:spPr/>
+        <p:txBody>
+          <a:bodyPr anchor="ctr"/>
+          <a:lstStyle/>
+          <a:p>
+            <a:pPr algn="ctr"/>
+            <a:r>
+              <a:rPr lang="nl-BE" dirty="0"/>
+              <a:t>Rebase</a:t>
+            </a:r>
+          </a:p>
+        </p:txBody>
+      </p:sp>
+      <p:sp>
+        <p:nvSpPr>
+          <p:cNvPr id="3" name="Ondertitel 2">
+            <a:extLst>
+              <a:ext uri="{FF2B5EF4-FFF2-40B4-BE49-F238E27FC236}">
+                <a16:creationId xmlns:a16="http://schemas.microsoft.com/office/drawing/2014/main" id="{8E7C9668-A763-1547-AFF8-037400D2150A}"/>
+              </a:ext>
+            </a:extLst>
+          </p:cNvPr>
+          <p:cNvSpPr>
+            <a:spLocks noGrp="1"/>
+          </p:cNvSpPr>
+          <p:nvPr>
+            <p:ph type="subTitle" idx="1"/>
+          </p:nvPr>
+        </p:nvSpPr>
+        <p:spPr/>
+        <p:txBody>
+          <a:bodyPr/>
+          <a:lstStyle/>
+          <a:p>
+            <a:endParaRPr lang="nl-BE"/>
+          </a:p>
+        </p:txBody>
+      </p:sp>
+    </p:spTree>
+    <p:extLst>
+      <p:ext uri="{BB962C8B-B14F-4D97-AF65-F5344CB8AC3E}">
+        <p14:creationId xmlns:p14="http://schemas.microsoft.com/office/powerpoint/2010/main" val="1875342185"/>
+      </p:ext>
+    </p:extLst>
+  </p:cSld>
+  <p:clrMapOvr>
+    <a:masterClrMapping/>
+  </p:clrMapOvr>
+</p:sld>
+</file>
+
+<file path=ppt/slides/slide18.xml><?xml version="1.0" encoding="utf-8"?>
+<p:sld xmlns:a="http://schemas.openxmlformats.org/drawingml/2006/main" xmlns:r="http://schemas.openxmlformats.org/officeDocument/2006/relationships" xmlns:p="http://schemas.openxmlformats.org/presentationml/2006/main">
+  <p:cSld>
+    <p:spTree>
+      <p:nvGrpSpPr>
+        <p:cNvPr id="1" name=""/>
+        <p:cNvGrpSpPr/>
+        <p:nvPr/>
+      </p:nvGrpSpPr>
+      <p:grpSpPr>
+        <a:xfrm>
+          <a:off x="0" y="0"/>
+          <a:ext cx="0" cy="0"/>
+          <a:chOff x="0" y="0"/>
+          <a:chExt cx="0" cy="0"/>
+        </a:xfrm>
+      </p:grpSpPr>
+      <p:sp>
+        <p:nvSpPr>
+          <p:cNvPr id="2" name="Titel 1">
+            <a:extLst>
+              <a:ext uri="{FF2B5EF4-FFF2-40B4-BE49-F238E27FC236}">
+                <a16:creationId xmlns:a16="http://schemas.microsoft.com/office/drawing/2014/main" id="{58A8FD7E-BFD1-6642-A24C-2B1CECD481FE}"/>
+              </a:ext>
+            </a:extLst>
+          </p:cNvPr>
+          <p:cNvSpPr>
+            <a:spLocks noGrp="1"/>
+          </p:cNvSpPr>
+          <p:nvPr>
+            <p:ph type="ctrTitle"/>
+          </p:nvPr>
+        </p:nvSpPr>
+        <p:spPr>
+          <a:xfrm>
+            <a:off x="1063007" y="418048"/>
+            <a:ext cx="2576356" cy="434974"/>
+          </a:xfrm>
+        </p:spPr>
+        <p:txBody>
+          <a:bodyPr/>
+          <a:lstStyle/>
+          <a:p>
+            <a:pPr algn="ctr"/>
+            <a:r>
+              <a:rPr lang="nl-BE" sz="2400" dirty="0"/>
+              <a:t>Rebase</a:t>
+            </a:r>
+          </a:p>
+        </p:txBody>
+      </p:sp>
+      <p:sp>
+        <p:nvSpPr>
+          <p:cNvPr id="3" name="Ondertitel 2">
+            <a:extLst>
+              <a:ext uri="{FF2B5EF4-FFF2-40B4-BE49-F238E27FC236}">
+                <a16:creationId xmlns:a16="http://schemas.microsoft.com/office/drawing/2014/main" id="{6D48BDCB-7F76-2248-9E8E-29E312AF7FEB}"/>
+              </a:ext>
+            </a:extLst>
+          </p:cNvPr>
+          <p:cNvSpPr>
+            <a:spLocks noGrp="1"/>
+          </p:cNvSpPr>
+          <p:nvPr>
+            <p:ph type="subTitle" idx="1"/>
+          </p:nvPr>
+        </p:nvSpPr>
+        <p:spPr/>
+        <p:txBody>
+          <a:bodyPr/>
+          <a:lstStyle/>
+          <a:p>
+            <a:endParaRPr lang="nl-BE"/>
+          </a:p>
+        </p:txBody>
+      </p:sp>
+      <p:sp>
+        <p:nvSpPr>
+          <p:cNvPr id="4" name="Titel 1">
+            <a:extLst>
+              <a:ext uri="{FF2B5EF4-FFF2-40B4-BE49-F238E27FC236}">
+                <a16:creationId xmlns:a16="http://schemas.microsoft.com/office/drawing/2014/main" id="{B28A2B0A-016A-334C-B0BC-0B360516D7C1}"/>
+              </a:ext>
+            </a:extLst>
+          </p:cNvPr>
+          <p:cNvSpPr txBox="1">
+            <a:spLocks/>
+          </p:cNvSpPr>
+          <p:nvPr/>
+        </p:nvSpPr>
+        <p:spPr>
+          <a:xfrm>
+            <a:off x="6181748" y="450842"/>
+            <a:ext cx="3784859" cy="434974"/>
+          </a:xfrm>
+          <a:prstGeom prst="rect">
+            <a:avLst/>
+          </a:prstGeom>
+          <a:effectLst>
+            <a:outerShdw blurRad="50800" dir="14400000">
+              <a:srgbClr val="000000">
+                <a:alpha val="60000"/>
+              </a:srgbClr>
+            </a:outerShdw>
+          </a:effectLst>
+        </p:spPr>
+        <p:txBody>
+          <a:bodyPr vert="horz" lIns="91440" tIns="45720" rIns="91440" bIns="45720" rtlCol="0" anchor="b">
+            <a:noAutofit/>
+          </a:bodyPr>
+          <a:lstStyle>
+            <a:lvl1pPr algn="l" defTabSz="457200" rtl="0" eaLnBrk="1" latinLnBrk="0" hangingPunct="1">
+              <a:spcBef>
+                <a:spcPct val="0"/>
+              </a:spcBef>
+              <a:buNone/>
+              <a:defRPr sz="5400" b="1" kern="1200">
+                <a:solidFill>
+                  <a:srgbClr val="FEFEFE"/>
+                </a:solidFill>
+                <a:latin typeface="+mj-lt"/>
+                <a:ea typeface="+mj-ea"/>
+                <a:cs typeface="+mj-cs"/>
+              </a:defRPr>
+            </a:lvl1pPr>
+            <a:lvl2pPr eaLnBrk="1" hangingPunct="1">
+              <a:defRPr>
+                <a:solidFill>
+                  <a:schemeClr val="tx2"/>
+                </a:solidFill>
+              </a:defRPr>
+            </a:lvl2pPr>
+            <a:lvl3pPr eaLnBrk="1" hangingPunct="1">
+              <a:defRPr>
+                <a:solidFill>
+                  <a:schemeClr val="tx2"/>
+                </a:solidFill>
+              </a:defRPr>
+            </a:lvl3pPr>
+            <a:lvl4pPr eaLnBrk="1" hangingPunct="1">
+              <a:defRPr>
+                <a:solidFill>
+                  <a:schemeClr val="tx2"/>
+                </a:solidFill>
+              </a:defRPr>
+            </a:lvl4pPr>
+            <a:lvl5pPr eaLnBrk="1" hangingPunct="1">
+              <a:defRPr>
+                <a:solidFill>
+                  <a:schemeClr val="tx2"/>
+                </a:solidFill>
+              </a:defRPr>
+            </a:lvl5pPr>
+            <a:lvl6pPr eaLnBrk="1" hangingPunct="1">
+              <a:defRPr>
+                <a:solidFill>
+                  <a:schemeClr val="tx2"/>
+                </a:solidFill>
+              </a:defRPr>
+            </a:lvl6pPr>
+            <a:lvl7pPr eaLnBrk="1" hangingPunct="1">
+              <a:defRPr>
+                <a:solidFill>
+                  <a:schemeClr val="tx2"/>
+                </a:solidFill>
+              </a:defRPr>
+            </a:lvl7pPr>
+            <a:lvl8pPr eaLnBrk="1" hangingPunct="1">
+              <a:defRPr>
+                <a:solidFill>
+                  <a:schemeClr val="tx2"/>
+                </a:solidFill>
+              </a:defRPr>
+            </a:lvl8pPr>
+            <a:lvl9pPr eaLnBrk="1" hangingPunct="1">
+              <a:defRPr>
+                <a:solidFill>
+                  <a:schemeClr val="tx2"/>
+                </a:solidFill>
+              </a:defRPr>
+            </a:lvl9pPr>
+          </a:lstStyle>
+          <a:p>
+            <a:pPr algn="ctr"/>
+            <a:r>
+              <a:rPr lang="nl-BE" sz="2400" dirty="0"/>
+              <a:t>Next = 2 options</a:t>
+            </a:r>
+          </a:p>
+        </p:txBody>
+      </p:sp>
+      <p:sp>
+        <p:nvSpPr>
+          <p:cNvPr id="25" name="Ovaal 24">
+            <a:extLst>
+              <a:ext uri="{FF2B5EF4-FFF2-40B4-BE49-F238E27FC236}">
+                <a16:creationId xmlns:a16="http://schemas.microsoft.com/office/drawing/2014/main" id="{ADB2B447-3B17-5740-B013-BEDEF802072B}"/>
+              </a:ext>
+            </a:extLst>
+          </p:cNvPr>
+          <p:cNvSpPr/>
+          <p:nvPr/>
+        </p:nvSpPr>
+        <p:spPr>
+          <a:xfrm>
+            <a:off x="709075" y="1302638"/>
+            <a:ext cx="727710" cy="434974"/>
+          </a:xfrm>
+          <a:prstGeom prst="ellipse">
+            <a:avLst/>
+          </a:prstGeom>
+          <a:solidFill>
+            <a:schemeClr val="tx2">
+              <a:lumMod val="60000"/>
+              <a:lumOff val="40000"/>
+            </a:schemeClr>
+          </a:solidFill>
+        </p:spPr>
+        <p:style>
+          <a:lnRef idx="2">
+            <a:schemeClr val="accent1">
+              <a:shade val="50000"/>
+            </a:schemeClr>
+          </a:lnRef>
+          <a:fillRef idx="1">
+            <a:schemeClr val="accent1"/>
+          </a:fillRef>
+          <a:effectRef idx="0">
+            <a:schemeClr val="accent1"/>
+          </a:effectRef>
+          <a:fontRef idx="minor">
+            <a:schemeClr val="lt1"/>
+          </a:fontRef>
+        </p:style>
+        <p:txBody>
+          <a:bodyPr rtlCol="0" anchor="ctr"/>
+          <a:lstStyle/>
+          <a:p>
+            <a:pPr algn="ctr"/>
+            <a:r>
+              <a:rPr lang="nl-BE" b="1" dirty="0"/>
+              <a:t>C1</a:t>
+            </a:r>
+          </a:p>
+        </p:txBody>
+      </p:sp>
+      <p:sp>
+        <p:nvSpPr>
+          <p:cNvPr id="26" name="Ovaal 25">
+            <a:extLst>
+              <a:ext uri="{FF2B5EF4-FFF2-40B4-BE49-F238E27FC236}">
+                <a16:creationId xmlns:a16="http://schemas.microsoft.com/office/drawing/2014/main" id="{110A24D1-E5B4-EB44-9A28-506D2C0AA64C}"/>
+              </a:ext>
+            </a:extLst>
+          </p:cNvPr>
+          <p:cNvSpPr/>
+          <p:nvPr/>
+        </p:nvSpPr>
+        <p:spPr>
+          <a:xfrm>
+            <a:off x="1623475" y="1298031"/>
+            <a:ext cx="727710" cy="434974"/>
+          </a:xfrm>
+          <a:prstGeom prst="ellipse">
+            <a:avLst/>
+          </a:prstGeom>
+          <a:solidFill>
+            <a:schemeClr val="tx2">
+              <a:lumMod val="60000"/>
+              <a:lumOff val="40000"/>
+            </a:schemeClr>
+          </a:solidFill>
+        </p:spPr>
+        <p:style>
+          <a:lnRef idx="2">
+            <a:schemeClr val="accent1">
+              <a:shade val="50000"/>
+            </a:schemeClr>
+          </a:lnRef>
+          <a:fillRef idx="1">
+            <a:schemeClr val="accent1"/>
+          </a:fillRef>
+          <a:effectRef idx="0">
+            <a:schemeClr val="accent1"/>
+          </a:effectRef>
+          <a:fontRef idx="minor">
+            <a:schemeClr val="lt1"/>
+          </a:fontRef>
+        </p:style>
+        <p:txBody>
+          <a:bodyPr rtlCol="0" anchor="ctr"/>
+          <a:lstStyle/>
+          <a:p>
+            <a:pPr algn="ctr"/>
+            <a:r>
+              <a:rPr lang="nl-BE" b="1" dirty="0"/>
+              <a:t>C2</a:t>
+            </a:r>
+          </a:p>
+        </p:txBody>
+      </p:sp>
+      <p:sp>
+        <p:nvSpPr>
+          <p:cNvPr id="27" name="Ovaal 26">
+            <a:extLst>
+              <a:ext uri="{FF2B5EF4-FFF2-40B4-BE49-F238E27FC236}">
+                <a16:creationId xmlns:a16="http://schemas.microsoft.com/office/drawing/2014/main" id="{A8C05538-CCE9-AD45-A05C-73CBE502B8B9}"/>
+              </a:ext>
+            </a:extLst>
+          </p:cNvPr>
+          <p:cNvSpPr/>
+          <p:nvPr/>
+        </p:nvSpPr>
+        <p:spPr>
+          <a:xfrm>
+            <a:off x="2537875" y="1282791"/>
+            <a:ext cx="727710" cy="434974"/>
+          </a:xfrm>
+          <a:prstGeom prst="ellipse">
+            <a:avLst/>
+          </a:prstGeom>
+          <a:solidFill>
+            <a:schemeClr val="tx2">
+              <a:lumMod val="60000"/>
+              <a:lumOff val="40000"/>
+            </a:schemeClr>
+          </a:solidFill>
+        </p:spPr>
+        <p:style>
+          <a:lnRef idx="2">
+            <a:schemeClr val="accent1">
+              <a:shade val="50000"/>
+            </a:schemeClr>
+          </a:lnRef>
+          <a:fillRef idx="1">
+            <a:schemeClr val="accent1"/>
+          </a:fillRef>
+          <a:effectRef idx="0">
+            <a:schemeClr val="accent1"/>
+          </a:effectRef>
+          <a:fontRef idx="minor">
+            <a:schemeClr val="lt1"/>
+          </a:fontRef>
+        </p:style>
+        <p:txBody>
+          <a:bodyPr rtlCol="0" anchor="ctr"/>
+          <a:lstStyle/>
+          <a:p>
+            <a:pPr algn="ctr"/>
+            <a:r>
+              <a:rPr lang="nl-BE" b="1" dirty="0"/>
+              <a:t>C3</a:t>
+            </a:r>
+          </a:p>
+        </p:txBody>
+      </p:sp>
+      <p:sp>
+        <p:nvSpPr>
+          <p:cNvPr id="28" name="Ovaal 27">
+            <a:extLst>
+              <a:ext uri="{FF2B5EF4-FFF2-40B4-BE49-F238E27FC236}">
+                <a16:creationId xmlns:a16="http://schemas.microsoft.com/office/drawing/2014/main" id="{C4B8F9C5-FBEE-7148-962B-E40BCE56B33D}"/>
+              </a:ext>
+            </a:extLst>
+          </p:cNvPr>
+          <p:cNvSpPr/>
+          <p:nvPr/>
+        </p:nvSpPr>
+        <p:spPr>
+          <a:xfrm>
+            <a:off x="3440700" y="1302276"/>
+            <a:ext cx="727710" cy="434974"/>
+          </a:xfrm>
+          <a:prstGeom prst="ellipse">
+            <a:avLst/>
+          </a:prstGeom>
+          <a:solidFill>
+            <a:schemeClr val="tx2">
+              <a:lumMod val="60000"/>
+              <a:lumOff val="40000"/>
+            </a:schemeClr>
+          </a:solidFill>
+        </p:spPr>
+        <p:style>
+          <a:lnRef idx="2">
+            <a:schemeClr val="accent1">
+              <a:shade val="50000"/>
+            </a:schemeClr>
+          </a:lnRef>
+          <a:fillRef idx="1">
+            <a:schemeClr val="accent1"/>
+          </a:fillRef>
+          <a:effectRef idx="0">
+            <a:schemeClr val="accent1"/>
+          </a:effectRef>
+          <a:fontRef idx="minor">
+            <a:schemeClr val="lt1"/>
+          </a:fontRef>
+        </p:style>
+        <p:txBody>
+          <a:bodyPr rtlCol="0" anchor="ctr"/>
+          <a:lstStyle/>
+          <a:p>
+            <a:pPr algn="ctr"/>
+            <a:r>
+              <a:rPr lang="nl-BE" b="1" dirty="0"/>
+              <a:t>C4</a:t>
+            </a:r>
+          </a:p>
+        </p:txBody>
+      </p:sp>
+      <p:cxnSp>
+        <p:nvCxnSpPr>
+          <p:cNvPr id="29" name="Rechte verbindingslijn 28">
+            <a:extLst>
+              <a:ext uri="{FF2B5EF4-FFF2-40B4-BE49-F238E27FC236}">
+                <a16:creationId xmlns:a16="http://schemas.microsoft.com/office/drawing/2014/main" id="{85700A3E-DDB6-7848-9B55-94A2C85815CB}"/>
+              </a:ext>
+            </a:extLst>
+          </p:cNvPr>
+          <p:cNvCxnSpPr>
+            <a:stCxn id="25" idx="6"/>
+            <a:endCxn id="26" idx="2"/>
+          </p:cNvCxnSpPr>
+          <p:nvPr/>
+        </p:nvCxnSpPr>
+        <p:spPr>
+          <a:xfrm flipV="1">
+            <a:off x="1436785" y="1515518"/>
+            <a:ext cx="186690" cy="4607"/>
+          </a:xfrm>
+          <a:prstGeom prst="line">
+            <a:avLst/>
+          </a:prstGeom>
+          <a:ln w="25400">
+            <a:solidFill>
+              <a:schemeClr val="bg1"/>
+            </a:solidFill>
+          </a:ln>
+        </p:spPr>
+        <p:style>
+          <a:lnRef idx="1">
+            <a:schemeClr val="accent1"/>
+          </a:lnRef>
+          <a:fillRef idx="0">
+            <a:schemeClr val="accent1"/>
+          </a:fillRef>
+          <a:effectRef idx="0">
+            <a:schemeClr val="accent1"/>
+          </a:effectRef>
+          <a:fontRef idx="minor">
+            <a:schemeClr val="tx1"/>
+          </a:fontRef>
+        </p:style>
+      </p:cxnSp>
+      <p:cxnSp>
+        <p:nvCxnSpPr>
+          <p:cNvPr id="30" name="Rechte verbindingslijn 29">
+            <a:extLst>
+              <a:ext uri="{FF2B5EF4-FFF2-40B4-BE49-F238E27FC236}">
+                <a16:creationId xmlns:a16="http://schemas.microsoft.com/office/drawing/2014/main" id="{C03B6AA7-AE79-7444-9CAF-01EFE2CF54FC}"/>
+              </a:ext>
+            </a:extLst>
+          </p:cNvPr>
+          <p:cNvCxnSpPr/>
+          <p:nvPr/>
+        </p:nvCxnSpPr>
+        <p:spPr>
+          <a:xfrm flipV="1">
+            <a:off x="2344098" y="1519056"/>
+            <a:ext cx="186690" cy="4607"/>
+          </a:xfrm>
+          <a:prstGeom prst="line">
+            <a:avLst/>
+          </a:prstGeom>
+          <a:ln w="25400">
+            <a:solidFill>
+              <a:schemeClr val="bg1"/>
+            </a:solidFill>
+          </a:ln>
+        </p:spPr>
+        <p:style>
+          <a:lnRef idx="1">
+            <a:schemeClr val="accent1"/>
+          </a:lnRef>
+          <a:fillRef idx="0">
+            <a:schemeClr val="accent1"/>
+          </a:fillRef>
+          <a:effectRef idx="0">
+            <a:schemeClr val="accent1"/>
+          </a:effectRef>
+          <a:fontRef idx="minor">
+            <a:schemeClr val="tx1"/>
+          </a:fontRef>
+        </p:style>
+      </p:cxnSp>
+      <p:cxnSp>
+        <p:nvCxnSpPr>
+          <p:cNvPr id="31" name="Rechte verbindingslijn 30">
+            <a:extLst>
+              <a:ext uri="{FF2B5EF4-FFF2-40B4-BE49-F238E27FC236}">
+                <a16:creationId xmlns:a16="http://schemas.microsoft.com/office/drawing/2014/main" id="{628E0250-2986-044C-90DA-CE288BF4D875}"/>
+              </a:ext>
+            </a:extLst>
+          </p:cNvPr>
+          <p:cNvCxnSpPr/>
+          <p:nvPr/>
+        </p:nvCxnSpPr>
+        <p:spPr>
+          <a:xfrm flipV="1">
+            <a:off x="3251411" y="1522594"/>
+            <a:ext cx="186690" cy="4607"/>
+          </a:xfrm>
+          <a:prstGeom prst="line">
+            <a:avLst/>
+          </a:prstGeom>
+          <a:ln w="25400">
+            <a:solidFill>
+              <a:schemeClr val="bg1"/>
+            </a:solidFill>
+          </a:ln>
+        </p:spPr>
+        <p:style>
+          <a:lnRef idx="1">
+            <a:schemeClr val="accent1"/>
+          </a:lnRef>
+          <a:fillRef idx="0">
+            <a:schemeClr val="accent1"/>
+          </a:fillRef>
+          <a:effectRef idx="0">
+            <a:schemeClr val="accent1"/>
+          </a:effectRef>
+          <a:fontRef idx="minor">
+            <a:schemeClr val="tx1"/>
+          </a:fontRef>
+        </p:style>
+      </p:cxnSp>
+      <p:sp>
+        <p:nvSpPr>
+          <p:cNvPr id="32" name="Tekstvak 31">
+            <a:extLst>
+              <a:ext uri="{FF2B5EF4-FFF2-40B4-BE49-F238E27FC236}">
+                <a16:creationId xmlns:a16="http://schemas.microsoft.com/office/drawing/2014/main" id="{3717F65E-A477-FA43-88AD-28F543604F0D}"/>
+              </a:ext>
+            </a:extLst>
+          </p:cNvPr>
+          <p:cNvSpPr txBox="1"/>
+          <p:nvPr/>
+        </p:nvSpPr>
+        <p:spPr>
+          <a:xfrm>
+            <a:off x="3331507" y="885816"/>
+            <a:ext cx="946093" cy="369332"/>
+          </a:xfrm>
+          <a:prstGeom prst="rect">
+            <a:avLst/>
+          </a:prstGeom>
+          <a:noFill/>
+        </p:spPr>
+        <p:txBody>
+          <a:bodyPr wrap="none" rtlCol="0">
+            <a:spAutoFit/>
+          </a:bodyPr>
+          <a:lstStyle/>
+          <a:p>
+            <a:r>
+              <a:rPr lang="nl-BE" b="1" dirty="0">
+                <a:solidFill>
+                  <a:schemeClr val="bg1"/>
+                </a:solidFill>
+              </a:rPr>
+              <a:t>master</a:t>
+            </a:r>
+          </a:p>
+        </p:txBody>
+      </p:sp>
+      <p:sp>
+        <p:nvSpPr>
+          <p:cNvPr id="33" name="Tekstvak 32">
+            <a:extLst>
+              <a:ext uri="{FF2B5EF4-FFF2-40B4-BE49-F238E27FC236}">
+                <a16:creationId xmlns:a16="http://schemas.microsoft.com/office/drawing/2014/main" id="{FE14648A-57D5-AC4D-BD6E-3304B9E291A5}"/>
+              </a:ext>
+            </a:extLst>
+          </p:cNvPr>
+          <p:cNvSpPr txBox="1"/>
+          <p:nvPr/>
+        </p:nvSpPr>
+        <p:spPr>
+          <a:xfrm>
+            <a:off x="3497419" y="2387902"/>
+            <a:ext cx="614271" cy="369332"/>
+          </a:xfrm>
+          <a:prstGeom prst="rect">
+            <a:avLst/>
+          </a:prstGeom>
+          <a:noFill/>
+        </p:spPr>
+        <p:txBody>
+          <a:bodyPr wrap="none" rtlCol="0">
+            <a:spAutoFit/>
+          </a:bodyPr>
+          <a:lstStyle/>
+          <a:p>
+            <a:r>
+              <a:rPr lang="nl-BE" b="1" dirty="0">
+                <a:solidFill>
+                  <a:schemeClr val="bg1"/>
+                </a:solidFill>
+              </a:rPr>
+              <a:t>dev</a:t>
+            </a:r>
+          </a:p>
+        </p:txBody>
+      </p:sp>
+      <p:sp>
+        <p:nvSpPr>
+          <p:cNvPr id="34" name="Ovaal 33">
+            <a:extLst>
+              <a:ext uri="{FF2B5EF4-FFF2-40B4-BE49-F238E27FC236}">
+                <a16:creationId xmlns:a16="http://schemas.microsoft.com/office/drawing/2014/main" id="{D29ADFF4-D91E-0A4E-88B3-35B5021AE180}"/>
+              </a:ext>
+            </a:extLst>
+          </p:cNvPr>
+          <p:cNvSpPr/>
+          <p:nvPr/>
+        </p:nvSpPr>
+        <p:spPr>
+          <a:xfrm>
+            <a:off x="2583130" y="1938083"/>
+            <a:ext cx="727710" cy="434974"/>
+          </a:xfrm>
+          <a:prstGeom prst="ellipse">
+            <a:avLst/>
+          </a:prstGeom>
+          <a:solidFill>
+            <a:schemeClr val="tx2">
+              <a:lumMod val="60000"/>
+              <a:lumOff val="40000"/>
+            </a:schemeClr>
+          </a:solidFill>
+        </p:spPr>
+        <p:style>
+          <a:lnRef idx="2">
+            <a:schemeClr val="accent1">
+              <a:shade val="50000"/>
+            </a:schemeClr>
+          </a:lnRef>
+          <a:fillRef idx="1">
+            <a:schemeClr val="accent1"/>
+          </a:fillRef>
+          <a:effectRef idx="0">
+            <a:schemeClr val="accent1"/>
+          </a:effectRef>
+          <a:fontRef idx="minor">
+            <a:schemeClr val="lt1"/>
+          </a:fontRef>
+        </p:style>
+        <p:txBody>
+          <a:bodyPr rtlCol="0" anchor="ctr"/>
+          <a:lstStyle/>
+          <a:p>
+            <a:pPr algn="ctr"/>
+            <a:r>
+              <a:rPr lang="nl-BE" b="1" dirty="0"/>
+              <a:t>C5</a:t>
+            </a:r>
+          </a:p>
+        </p:txBody>
+      </p:sp>
+      <p:sp>
+        <p:nvSpPr>
+          <p:cNvPr id="35" name="Ovaal 34">
+            <a:extLst>
+              <a:ext uri="{FF2B5EF4-FFF2-40B4-BE49-F238E27FC236}">
+                <a16:creationId xmlns:a16="http://schemas.microsoft.com/office/drawing/2014/main" id="{1E5D5993-CF12-7A43-969B-890A2DD20886}"/>
+              </a:ext>
+            </a:extLst>
+          </p:cNvPr>
+          <p:cNvSpPr/>
+          <p:nvPr/>
+        </p:nvSpPr>
+        <p:spPr>
+          <a:xfrm>
+            <a:off x="3485955" y="1957568"/>
+            <a:ext cx="727710" cy="434974"/>
+          </a:xfrm>
+          <a:prstGeom prst="ellipse">
+            <a:avLst/>
+          </a:prstGeom>
+          <a:solidFill>
+            <a:schemeClr val="tx2">
+              <a:lumMod val="60000"/>
+              <a:lumOff val="40000"/>
+            </a:schemeClr>
+          </a:solidFill>
+        </p:spPr>
+        <p:style>
+          <a:lnRef idx="2">
+            <a:schemeClr val="accent1">
+              <a:shade val="50000"/>
+            </a:schemeClr>
+          </a:lnRef>
+          <a:fillRef idx="1">
+            <a:schemeClr val="accent1"/>
+          </a:fillRef>
+          <a:effectRef idx="0">
+            <a:schemeClr val="accent1"/>
+          </a:effectRef>
+          <a:fontRef idx="minor">
+            <a:schemeClr val="lt1"/>
+          </a:fontRef>
+        </p:style>
+        <p:txBody>
+          <a:bodyPr rtlCol="0" anchor="ctr"/>
+          <a:lstStyle/>
+          <a:p>
+            <a:pPr algn="ctr"/>
+            <a:r>
+              <a:rPr lang="nl-BE" b="1" dirty="0"/>
+              <a:t>C6</a:t>
+            </a:r>
+          </a:p>
+        </p:txBody>
+      </p:sp>
+      <p:cxnSp>
+        <p:nvCxnSpPr>
+          <p:cNvPr id="36" name="Rechte verbindingslijn 35">
+            <a:extLst>
+              <a:ext uri="{FF2B5EF4-FFF2-40B4-BE49-F238E27FC236}">
+                <a16:creationId xmlns:a16="http://schemas.microsoft.com/office/drawing/2014/main" id="{6908A277-46C6-AE48-8964-842617609ABC}"/>
+              </a:ext>
+            </a:extLst>
+          </p:cNvPr>
+          <p:cNvCxnSpPr>
+            <a:cxnSpLocks/>
+          </p:cNvCxnSpPr>
+          <p:nvPr/>
+        </p:nvCxnSpPr>
+        <p:spPr>
+          <a:xfrm>
+            <a:off x="2133017" y="1752434"/>
+            <a:ext cx="443026" cy="421915"/>
+          </a:xfrm>
+          <a:prstGeom prst="line">
+            <a:avLst/>
+          </a:prstGeom>
+          <a:ln w="25400">
+            <a:solidFill>
+              <a:schemeClr val="bg1"/>
+            </a:solidFill>
+          </a:ln>
+        </p:spPr>
+        <p:style>
+          <a:lnRef idx="1">
+            <a:schemeClr val="accent1"/>
+          </a:lnRef>
+          <a:fillRef idx="0">
+            <a:schemeClr val="accent1"/>
+          </a:fillRef>
+          <a:effectRef idx="0">
+            <a:schemeClr val="accent1"/>
+          </a:effectRef>
+          <a:fontRef idx="minor">
+            <a:schemeClr val="tx1"/>
+          </a:fontRef>
+        </p:style>
+      </p:cxnSp>
+      <p:cxnSp>
+        <p:nvCxnSpPr>
+          <p:cNvPr id="37" name="Rechte verbindingslijn 36">
+            <a:extLst>
+              <a:ext uri="{FF2B5EF4-FFF2-40B4-BE49-F238E27FC236}">
+                <a16:creationId xmlns:a16="http://schemas.microsoft.com/office/drawing/2014/main" id="{B1F50711-5804-FE4C-9A61-E8F9CE846DE0}"/>
+              </a:ext>
+            </a:extLst>
+          </p:cNvPr>
+          <p:cNvCxnSpPr/>
+          <p:nvPr/>
+        </p:nvCxnSpPr>
+        <p:spPr>
+          <a:xfrm flipV="1">
+            <a:off x="3296666" y="2177886"/>
+            <a:ext cx="186690" cy="4607"/>
+          </a:xfrm>
+          <a:prstGeom prst="line">
+            <a:avLst/>
+          </a:prstGeom>
+          <a:ln w="25400">
+            <a:solidFill>
+              <a:schemeClr val="bg1"/>
+            </a:solidFill>
+          </a:ln>
+        </p:spPr>
+        <p:style>
+          <a:lnRef idx="1">
+            <a:schemeClr val="accent1"/>
+          </a:lnRef>
+          <a:fillRef idx="0">
+            <a:schemeClr val="accent1"/>
+          </a:fillRef>
+          <a:effectRef idx="0">
+            <a:schemeClr val="accent1"/>
+          </a:effectRef>
+          <a:fontRef idx="minor">
+            <a:schemeClr val="tx1"/>
+          </a:fontRef>
+        </p:style>
+      </p:cxnSp>
+      <p:sp>
+        <p:nvSpPr>
+          <p:cNvPr id="54" name="Pijl omlaag 53">
+            <a:extLst>
+              <a:ext uri="{FF2B5EF4-FFF2-40B4-BE49-F238E27FC236}">
+                <a16:creationId xmlns:a16="http://schemas.microsoft.com/office/drawing/2014/main" id="{51E41DC0-0322-3B4C-80AD-1FF86E3EAC9A}"/>
+              </a:ext>
+            </a:extLst>
+          </p:cNvPr>
+          <p:cNvSpPr/>
+          <p:nvPr/>
+        </p:nvSpPr>
+        <p:spPr>
+          <a:xfrm>
+            <a:off x="2089542" y="2362130"/>
+            <a:ext cx="459763" cy="733974"/>
+          </a:xfrm>
+          <a:prstGeom prst="downArrow">
+            <a:avLst/>
+          </a:prstGeom>
+          <a:solidFill>
+            <a:schemeClr val="bg1"/>
+          </a:solidFill>
+        </p:spPr>
+        <p:style>
+          <a:lnRef idx="2">
+            <a:schemeClr val="accent1">
+              <a:shade val="50000"/>
+            </a:schemeClr>
+          </a:lnRef>
+          <a:fillRef idx="1">
+            <a:schemeClr val="accent1"/>
+          </a:fillRef>
+          <a:effectRef idx="0">
+            <a:schemeClr val="accent1"/>
+          </a:effectRef>
+          <a:fontRef idx="minor">
+            <a:schemeClr val="lt1"/>
+          </a:fontRef>
+        </p:style>
+        <p:txBody>
+          <a:bodyPr rtlCol="0" anchor="ctr"/>
+          <a:lstStyle/>
+          <a:p>
+            <a:pPr algn="ctr"/>
+            <a:endParaRPr lang="nl-BE"/>
+          </a:p>
+        </p:txBody>
+      </p:sp>
+      <p:sp>
+        <p:nvSpPr>
+          <p:cNvPr id="56" name="Ovaal 55">
+            <a:extLst>
+              <a:ext uri="{FF2B5EF4-FFF2-40B4-BE49-F238E27FC236}">
+                <a16:creationId xmlns:a16="http://schemas.microsoft.com/office/drawing/2014/main" id="{CDDF8A8F-CF34-2B48-9152-E44BAA30AB32}"/>
+              </a:ext>
+            </a:extLst>
+          </p:cNvPr>
+          <p:cNvSpPr/>
+          <p:nvPr/>
+        </p:nvSpPr>
+        <p:spPr>
+          <a:xfrm>
+            <a:off x="712885" y="3249548"/>
+            <a:ext cx="727710" cy="434974"/>
+          </a:xfrm>
+          <a:prstGeom prst="ellipse">
+            <a:avLst/>
+          </a:prstGeom>
+          <a:solidFill>
+            <a:schemeClr val="tx2">
+              <a:lumMod val="60000"/>
+              <a:lumOff val="40000"/>
+            </a:schemeClr>
+          </a:solidFill>
+        </p:spPr>
+        <p:style>
+          <a:lnRef idx="2">
+            <a:schemeClr val="accent1">
+              <a:shade val="50000"/>
+            </a:schemeClr>
+          </a:lnRef>
+          <a:fillRef idx="1">
+            <a:schemeClr val="accent1"/>
+          </a:fillRef>
+          <a:effectRef idx="0">
+            <a:schemeClr val="accent1"/>
+          </a:effectRef>
+          <a:fontRef idx="minor">
+            <a:schemeClr val="lt1"/>
+          </a:fontRef>
+        </p:style>
+        <p:txBody>
+          <a:bodyPr rtlCol="0" anchor="ctr"/>
+          <a:lstStyle/>
+          <a:p>
+            <a:pPr algn="ctr"/>
+            <a:r>
+              <a:rPr lang="nl-BE" b="1" dirty="0"/>
+              <a:t>C1</a:t>
+            </a:r>
+          </a:p>
+        </p:txBody>
+      </p:sp>
+      <p:sp>
+        <p:nvSpPr>
+          <p:cNvPr id="57" name="Ovaal 56">
+            <a:extLst>
+              <a:ext uri="{FF2B5EF4-FFF2-40B4-BE49-F238E27FC236}">
+                <a16:creationId xmlns:a16="http://schemas.microsoft.com/office/drawing/2014/main" id="{0660B3AD-8C6F-3B4D-8D41-3498A9CD8502}"/>
+              </a:ext>
+            </a:extLst>
+          </p:cNvPr>
+          <p:cNvSpPr/>
+          <p:nvPr/>
+        </p:nvSpPr>
+        <p:spPr>
+          <a:xfrm>
+            <a:off x="1627285" y="3244941"/>
+            <a:ext cx="727710" cy="434974"/>
+          </a:xfrm>
+          <a:prstGeom prst="ellipse">
+            <a:avLst/>
+          </a:prstGeom>
+          <a:solidFill>
+            <a:schemeClr val="tx2">
+              <a:lumMod val="60000"/>
+              <a:lumOff val="40000"/>
+            </a:schemeClr>
+          </a:solidFill>
+        </p:spPr>
+        <p:style>
+          <a:lnRef idx="2">
+            <a:schemeClr val="accent1">
+              <a:shade val="50000"/>
+            </a:schemeClr>
+          </a:lnRef>
+          <a:fillRef idx="1">
+            <a:schemeClr val="accent1"/>
+          </a:fillRef>
+          <a:effectRef idx="0">
+            <a:schemeClr val="accent1"/>
+          </a:effectRef>
+          <a:fontRef idx="minor">
+            <a:schemeClr val="lt1"/>
+          </a:fontRef>
+        </p:style>
+        <p:txBody>
+          <a:bodyPr rtlCol="0" anchor="ctr"/>
+          <a:lstStyle/>
+          <a:p>
+            <a:pPr algn="ctr"/>
+            <a:r>
+              <a:rPr lang="nl-BE" b="1" dirty="0"/>
+              <a:t>C2</a:t>
+            </a:r>
+          </a:p>
+        </p:txBody>
+      </p:sp>
+      <p:sp>
+        <p:nvSpPr>
+          <p:cNvPr id="58" name="Ovaal 57">
+            <a:extLst>
+              <a:ext uri="{FF2B5EF4-FFF2-40B4-BE49-F238E27FC236}">
+                <a16:creationId xmlns:a16="http://schemas.microsoft.com/office/drawing/2014/main" id="{BC28FBA0-0B0D-EB45-A914-BFCBDFEB179E}"/>
+              </a:ext>
+            </a:extLst>
+          </p:cNvPr>
+          <p:cNvSpPr/>
+          <p:nvPr/>
+        </p:nvSpPr>
+        <p:spPr>
+          <a:xfrm>
+            <a:off x="2541685" y="3229701"/>
+            <a:ext cx="727710" cy="434974"/>
+          </a:xfrm>
+          <a:prstGeom prst="ellipse">
+            <a:avLst/>
+          </a:prstGeom>
+          <a:solidFill>
+            <a:schemeClr val="tx2">
+              <a:lumMod val="60000"/>
+              <a:lumOff val="40000"/>
+            </a:schemeClr>
+          </a:solidFill>
+        </p:spPr>
+        <p:style>
+          <a:lnRef idx="2">
+            <a:schemeClr val="accent1">
+              <a:shade val="50000"/>
+            </a:schemeClr>
+          </a:lnRef>
+          <a:fillRef idx="1">
+            <a:schemeClr val="accent1"/>
+          </a:fillRef>
+          <a:effectRef idx="0">
+            <a:schemeClr val="accent1"/>
+          </a:effectRef>
+          <a:fontRef idx="minor">
+            <a:schemeClr val="lt1"/>
+          </a:fontRef>
+        </p:style>
+        <p:txBody>
+          <a:bodyPr rtlCol="0" anchor="ctr"/>
+          <a:lstStyle/>
+          <a:p>
+            <a:pPr algn="ctr"/>
+            <a:r>
+              <a:rPr lang="nl-BE" b="1" dirty="0"/>
+              <a:t>C3</a:t>
+            </a:r>
+          </a:p>
+        </p:txBody>
+      </p:sp>
+      <p:sp>
+        <p:nvSpPr>
+          <p:cNvPr id="59" name="Ovaal 58">
+            <a:extLst>
+              <a:ext uri="{FF2B5EF4-FFF2-40B4-BE49-F238E27FC236}">
+                <a16:creationId xmlns:a16="http://schemas.microsoft.com/office/drawing/2014/main" id="{1B7726CB-DBBD-4A42-AD6F-0B895695E435}"/>
+              </a:ext>
+            </a:extLst>
+          </p:cNvPr>
+          <p:cNvSpPr/>
+          <p:nvPr/>
+        </p:nvSpPr>
+        <p:spPr>
+          <a:xfrm>
+            <a:off x="3444510" y="3249186"/>
+            <a:ext cx="727710" cy="434974"/>
+          </a:xfrm>
+          <a:prstGeom prst="ellipse">
+            <a:avLst/>
+          </a:prstGeom>
+          <a:solidFill>
+            <a:schemeClr val="tx2">
+              <a:lumMod val="60000"/>
+              <a:lumOff val="40000"/>
+            </a:schemeClr>
+          </a:solidFill>
+        </p:spPr>
+        <p:style>
+          <a:lnRef idx="2">
+            <a:schemeClr val="accent1">
+              <a:shade val="50000"/>
+            </a:schemeClr>
+          </a:lnRef>
+          <a:fillRef idx="1">
+            <a:schemeClr val="accent1"/>
+          </a:fillRef>
+          <a:effectRef idx="0">
+            <a:schemeClr val="accent1"/>
+          </a:effectRef>
+          <a:fontRef idx="minor">
+            <a:schemeClr val="lt1"/>
+          </a:fontRef>
+        </p:style>
+        <p:txBody>
+          <a:bodyPr rtlCol="0" anchor="ctr"/>
+          <a:lstStyle/>
+          <a:p>
+            <a:pPr algn="ctr"/>
+            <a:r>
+              <a:rPr lang="nl-BE" b="1" dirty="0"/>
+              <a:t>C4</a:t>
+            </a:r>
+          </a:p>
+        </p:txBody>
+      </p:sp>
+      <p:cxnSp>
+        <p:nvCxnSpPr>
+          <p:cNvPr id="60" name="Rechte verbindingslijn 59">
+            <a:extLst>
+              <a:ext uri="{FF2B5EF4-FFF2-40B4-BE49-F238E27FC236}">
+                <a16:creationId xmlns:a16="http://schemas.microsoft.com/office/drawing/2014/main" id="{1F60BFA1-2056-DF49-82A6-E7E9F8F0182C}"/>
+              </a:ext>
+            </a:extLst>
+          </p:cNvPr>
+          <p:cNvCxnSpPr>
+            <a:stCxn id="56" idx="6"/>
+            <a:endCxn id="57" idx="2"/>
+          </p:cNvCxnSpPr>
+          <p:nvPr/>
+        </p:nvCxnSpPr>
+        <p:spPr>
+          <a:xfrm flipV="1">
+            <a:off x="1440595" y="3462428"/>
+            <a:ext cx="186690" cy="4607"/>
+          </a:xfrm>
+          <a:prstGeom prst="line">
+            <a:avLst/>
+          </a:prstGeom>
+          <a:ln w="25400">
+            <a:solidFill>
+              <a:schemeClr val="bg1"/>
+            </a:solidFill>
+          </a:ln>
+        </p:spPr>
+        <p:style>
+          <a:lnRef idx="1">
+            <a:schemeClr val="accent1"/>
+          </a:lnRef>
+          <a:fillRef idx="0">
+            <a:schemeClr val="accent1"/>
+          </a:fillRef>
+          <a:effectRef idx="0">
+            <a:schemeClr val="accent1"/>
+          </a:effectRef>
+          <a:fontRef idx="minor">
+            <a:schemeClr val="tx1"/>
+          </a:fontRef>
+        </p:style>
+      </p:cxnSp>
+      <p:cxnSp>
+        <p:nvCxnSpPr>
+          <p:cNvPr id="61" name="Rechte verbindingslijn 60">
+            <a:extLst>
+              <a:ext uri="{FF2B5EF4-FFF2-40B4-BE49-F238E27FC236}">
+                <a16:creationId xmlns:a16="http://schemas.microsoft.com/office/drawing/2014/main" id="{44C2CE11-11C5-3A40-ACE2-2074A5C94076}"/>
+              </a:ext>
+            </a:extLst>
+          </p:cNvPr>
+          <p:cNvCxnSpPr/>
+          <p:nvPr/>
+        </p:nvCxnSpPr>
+        <p:spPr>
+          <a:xfrm flipV="1">
+            <a:off x="2347908" y="3465966"/>
+            <a:ext cx="186690" cy="4607"/>
+          </a:xfrm>
+          <a:prstGeom prst="line">
+            <a:avLst/>
+          </a:prstGeom>
+          <a:ln w="25400">
+            <a:solidFill>
+              <a:schemeClr val="bg1"/>
+            </a:solidFill>
+          </a:ln>
+        </p:spPr>
+        <p:style>
+          <a:lnRef idx="1">
+            <a:schemeClr val="accent1"/>
+          </a:lnRef>
+          <a:fillRef idx="0">
+            <a:schemeClr val="accent1"/>
+          </a:fillRef>
+          <a:effectRef idx="0">
+            <a:schemeClr val="accent1"/>
+          </a:effectRef>
+          <a:fontRef idx="minor">
+            <a:schemeClr val="tx1"/>
+          </a:fontRef>
+        </p:style>
+      </p:cxnSp>
+      <p:cxnSp>
+        <p:nvCxnSpPr>
+          <p:cNvPr id="62" name="Rechte verbindingslijn 61">
+            <a:extLst>
+              <a:ext uri="{FF2B5EF4-FFF2-40B4-BE49-F238E27FC236}">
+                <a16:creationId xmlns:a16="http://schemas.microsoft.com/office/drawing/2014/main" id="{96FCFD31-3E91-7640-97FA-5168F5A0AE15}"/>
+              </a:ext>
+            </a:extLst>
+          </p:cNvPr>
+          <p:cNvCxnSpPr/>
+          <p:nvPr/>
+        </p:nvCxnSpPr>
+        <p:spPr>
+          <a:xfrm flipV="1">
+            <a:off x="3255221" y="3469504"/>
+            <a:ext cx="186690" cy="4607"/>
+          </a:xfrm>
+          <a:prstGeom prst="line">
+            <a:avLst/>
+          </a:prstGeom>
+          <a:ln w="25400">
+            <a:solidFill>
+              <a:schemeClr val="bg1"/>
+            </a:solidFill>
+          </a:ln>
+        </p:spPr>
+        <p:style>
+          <a:lnRef idx="1">
+            <a:schemeClr val="accent1"/>
+          </a:lnRef>
+          <a:fillRef idx="0">
+            <a:schemeClr val="accent1"/>
+          </a:fillRef>
+          <a:effectRef idx="0">
+            <a:schemeClr val="accent1"/>
+          </a:effectRef>
+          <a:fontRef idx="minor">
+            <a:schemeClr val="tx1"/>
+          </a:fontRef>
+        </p:style>
+      </p:cxnSp>
+      <p:sp>
+        <p:nvSpPr>
+          <p:cNvPr id="63" name="Tekstvak 62">
+            <a:extLst>
+              <a:ext uri="{FF2B5EF4-FFF2-40B4-BE49-F238E27FC236}">
+                <a16:creationId xmlns:a16="http://schemas.microsoft.com/office/drawing/2014/main" id="{3F9FD52D-A568-1C4F-A8E2-98E575C9A113}"/>
+              </a:ext>
+            </a:extLst>
+          </p:cNvPr>
+          <p:cNvSpPr txBox="1"/>
+          <p:nvPr/>
+        </p:nvSpPr>
+        <p:spPr>
+          <a:xfrm>
+            <a:off x="3335317" y="2832726"/>
+            <a:ext cx="946093" cy="369332"/>
+          </a:xfrm>
+          <a:prstGeom prst="rect">
+            <a:avLst/>
+          </a:prstGeom>
+          <a:noFill/>
+        </p:spPr>
+        <p:txBody>
+          <a:bodyPr wrap="none" rtlCol="0">
+            <a:spAutoFit/>
+          </a:bodyPr>
+          <a:lstStyle/>
+          <a:p>
+            <a:r>
+              <a:rPr lang="nl-BE" b="1" dirty="0">
+                <a:solidFill>
+                  <a:schemeClr val="bg1"/>
+                </a:solidFill>
+              </a:rPr>
+              <a:t>master</a:t>
+            </a:r>
+          </a:p>
+        </p:txBody>
+      </p:sp>
+      <p:sp>
+        <p:nvSpPr>
+          <p:cNvPr id="64" name="Tekstvak 63">
+            <a:extLst>
+              <a:ext uri="{FF2B5EF4-FFF2-40B4-BE49-F238E27FC236}">
+                <a16:creationId xmlns:a16="http://schemas.microsoft.com/office/drawing/2014/main" id="{2FC5F11F-F2C8-0044-BAF7-9FA4C2FAB3C2}"/>
+              </a:ext>
+            </a:extLst>
+          </p:cNvPr>
+          <p:cNvSpPr txBox="1"/>
+          <p:nvPr/>
+        </p:nvSpPr>
+        <p:spPr>
+          <a:xfrm>
+            <a:off x="4369909" y="4334812"/>
+            <a:ext cx="614271" cy="369332"/>
+          </a:xfrm>
+          <a:prstGeom prst="rect">
+            <a:avLst/>
+          </a:prstGeom>
+          <a:noFill/>
+        </p:spPr>
+        <p:txBody>
+          <a:bodyPr wrap="none" rtlCol="0">
+            <a:spAutoFit/>
+          </a:bodyPr>
+          <a:lstStyle/>
+          <a:p>
+            <a:r>
+              <a:rPr lang="nl-BE" b="1" dirty="0">
+                <a:solidFill>
+                  <a:schemeClr val="bg1"/>
+                </a:solidFill>
+              </a:rPr>
+              <a:t>dev</a:t>
+            </a:r>
+          </a:p>
+        </p:txBody>
+      </p:sp>
+      <p:sp>
+        <p:nvSpPr>
+          <p:cNvPr id="65" name="Ovaal 64">
+            <a:extLst>
+              <a:ext uri="{FF2B5EF4-FFF2-40B4-BE49-F238E27FC236}">
+                <a16:creationId xmlns:a16="http://schemas.microsoft.com/office/drawing/2014/main" id="{F97B50B0-495B-BF42-967D-D92F58A7322C}"/>
+              </a:ext>
+            </a:extLst>
+          </p:cNvPr>
+          <p:cNvSpPr/>
+          <p:nvPr/>
+        </p:nvSpPr>
+        <p:spPr>
+          <a:xfrm>
+            <a:off x="3444190" y="3884993"/>
+            <a:ext cx="727710" cy="434974"/>
+          </a:xfrm>
+          <a:prstGeom prst="ellipse">
+            <a:avLst/>
+          </a:prstGeom>
+          <a:solidFill>
+            <a:schemeClr val="tx2">
+              <a:lumMod val="60000"/>
+              <a:lumOff val="40000"/>
+            </a:schemeClr>
+          </a:solidFill>
+        </p:spPr>
+        <p:style>
+          <a:lnRef idx="2">
+            <a:schemeClr val="accent1">
+              <a:shade val="50000"/>
+            </a:schemeClr>
+          </a:lnRef>
+          <a:fillRef idx="1">
+            <a:schemeClr val="accent1"/>
+          </a:fillRef>
+          <a:effectRef idx="0">
+            <a:schemeClr val="accent1"/>
+          </a:effectRef>
+          <a:fontRef idx="minor">
+            <a:schemeClr val="lt1"/>
+          </a:fontRef>
+        </p:style>
+        <p:txBody>
+          <a:bodyPr rtlCol="0" anchor="ctr"/>
+          <a:lstStyle/>
+          <a:p>
+            <a:pPr algn="ctr"/>
+            <a:r>
+              <a:rPr lang="nl-BE" b="1" dirty="0"/>
+              <a:t>C5</a:t>
+            </a:r>
+          </a:p>
+        </p:txBody>
+      </p:sp>
+      <p:sp>
+        <p:nvSpPr>
+          <p:cNvPr id="66" name="Ovaal 65">
+            <a:extLst>
+              <a:ext uri="{FF2B5EF4-FFF2-40B4-BE49-F238E27FC236}">
+                <a16:creationId xmlns:a16="http://schemas.microsoft.com/office/drawing/2014/main" id="{62FD64B0-54C2-0446-80E1-00107AC9A346}"/>
+              </a:ext>
+            </a:extLst>
+          </p:cNvPr>
+          <p:cNvSpPr/>
+          <p:nvPr/>
+        </p:nvSpPr>
+        <p:spPr>
+          <a:xfrm>
+            <a:off x="4358445" y="3904478"/>
+            <a:ext cx="727710" cy="434974"/>
+          </a:xfrm>
+          <a:prstGeom prst="ellipse">
+            <a:avLst/>
+          </a:prstGeom>
+          <a:solidFill>
+            <a:schemeClr val="tx2">
+              <a:lumMod val="60000"/>
+              <a:lumOff val="40000"/>
+            </a:schemeClr>
+          </a:solidFill>
+        </p:spPr>
+        <p:style>
+          <a:lnRef idx="2">
+            <a:schemeClr val="accent1">
+              <a:shade val="50000"/>
+            </a:schemeClr>
+          </a:lnRef>
+          <a:fillRef idx="1">
+            <a:schemeClr val="accent1"/>
+          </a:fillRef>
+          <a:effectRef idx="0">
+            <a:schemeClr val="accent1"/>
+          </a:effectRef>
+          <a:fontRef idx="minor">
+            <a:schemeClr val="lt1"/>
+          </a:fontRef>
+        </p:style>
+        <p:txBody>
+          <a:bodyPr rtlCol="0" anchor="ctr"/>
+          <a:lstStyle/>
+          <a:p>
+            <a:pPr algn="ctr"/>
+            <a:r>
+              <a:rPr lang="nl-BE" b="1" dirty="0"/>
+              <a:t>C6</a:t>
+            </a:r>
+          </a:p>
+        </p:txBody>
+      </p:sp>
+      <p:cxnSp>
+        <p:nvCxnSpPr>
+          <p:cNvPr id="67" name="Rechte verbindingslijn 66">
+            <a:extLst>
+              <a:ext uri="{FF2B5EF4-FFF2-40B4-BE49-F238E27FC236}">
+                <a16:creationId xmlns:a16="http://schemas.microsoft.com/office/drawing/2014/main" id="{921A17B5-3002-154B-A6A2-BBA77768D05C}"/>
+              </a:ext>
+            </a:extLst>
+          </p:cNvPr>
+          <p:cNvCxnSpPr>
+            <a:cxnSpLocks/>
+            <a:stCxn id="59" idx="4"/>
+            <a:endCxn id="65" idx="0"/>
+          </p:cNvCxnSpPr>
+          <p:nvPr/>
+        </p:nvCxnSpPr>
+        <p:spPr>
+          <a:xfrm flipH="1">
+            <a:off x="3808045" y="3684160"/>
+            <a:ext cx="320" cy="200833"/>
+          </a:xfrm>
+          <a:prstGeom prst="line">
+            <a:avLst/>
+          </a:prstGeom>
+          <a:ln w="25400">
+            <a:solidFill>
+              <a:schemeClr val="bg1"/>
+            </a:solidFill>
+          </a:ln>
+        </p:spPr>
+        <p:style>
+          <a:lnRef idx="1">
+            <a:schemeClr val="accent1"/>
+          </a:lnRef>
+          <a:fillRef idx="0">
+            <a:schemeClr val="accent1"/>
+          </a:fillRef>
+          <a:effectRef idx="0">
+            <a:schemeClr val="accent1"/>
+          </a:effectRef>
+          <a:fontRef idx="minor">
+            <a:schemeClr val="tx1"/>
+          </a:fontRef>
+        </p:style>
+      </p:cxnSp>
+      <p:cxnSp>
+        <p:nvCxnSpPr>
+          <p:cNvPr id="68" name="Rechte verbindingslijn 67">
+            <a:extLst>
+              <a:ext uri="{FF2B5EF4-FFF2-40B4-BE49-F238E27FC236}">
+                <a16:creationId xmlns:a16="http://schemas.microsoft.com/office/drawing/2014/main" id="{F41B0D12-24F5-A84A-A183-7D7CF7024C09}"/>
+              </a:ext>
+            </a:extLst>
+          </p:cNvPr>
+          <p:cNvCxnSpPr/>
+          <p:nvPr/>
+        </p:nvCxnSpPr>
+        <p:spPr>
+          <a:xfrm flipV="1">
+            <a:off x="4169156" y="4124796"/>
+            <a:ext cx="186690" cy="4607"/>
+          </a:xfrm>
+          <a:prstGeom prst="line">
+            <a:avLst/>
+          </a:prstGeom>
+          <a:ln w="25400">
+            <a:solidFill>
+              <a:schemeClr val="bg1"/>
+            </a:solidFill>
+          </a:ln>
+        </p:spPr>
+        <p:style>
+          <a:lnRef idx="1">
+            <a:schemeClr val="accent1"/>
+          </a:lnRef>
+          <a:fillRef idx="0">
+            <a:schemeClr val="accent1"/>
+          </a:fillRef>
+          <a:effectRef idx="0">
+            <a:schemeClr val="accent1"/>
+          </a:effectRef>
+          <a:fontRef idx="minor">
+            <a:schemeClr val="tx1"/>
+          </a:fontRef>
+        </p:style>
+      </p:cxnSp>
+      <p:sp>
+        <p:nvSpPr>
+          <p:cNvPr id="70" name="Ovaal 69">
+            <a:extLst>
+              <a:ext uri="{FF2B5EF4-FFF2-40B4-BE49-F238E27FC236}">
+                <a16:creationId xmlns:a16="http://schemas.microsoft.com/office/drawing/2014/main" id="{46BC2220-73FB-784E-83F1-FA4AD5696346}"/>
+              </a:ext>
+            </a:extLst>
+          </p:cNvPr>
+          <p:cNvSpPr/>
+          <p:nvPr/>
+        </p:nvSpPr>
+        <p:spPr>
+          <a:xfrm>
+            <a:off x="6500275" y="3253358"/>
+            <a:ext cx="727710" cy="434974"/>
+          </a:xfrm>
+          <a:prstGeom prst="ellipse">
+            <a:avLst/>
+          </a:prstGeom>
+          <a:solidFill>
+            <a:schemeClr val="tx2">
+              <a:lumMod val="60000"/>
+              <a:lumOff val="40000"/>
+            </a:schemeClr>
+          </a:solidFill>
+        </p:spPr>
+        <p:style>
+          <a:lnRef idx="2">
+            <a:schemeClr val="accent1">
+              <a:shade val="50000"/>
+            </a:schemeClr>
+          </a:lnRef>
+          <a:fillRef idx="1">
+            <a:schemeClr val="accent1"/>
+          </a:fillRef>
+          <a:effectRef idx="0">
+            <a:schemeClr val="accent1"/>
+          </a:effectRef>
+          <a:fontRef idx="minor">
+            <a:schemeClr val="lt1"/>
+          </a:fontRef>
+        </p:style>
+        <p:txBody>
+          <a:bodyPr rtlCol="0" anchor="ctr"/>
+          <a:lstStyle/>
+          <a:p>
+            <a:pPr algn="ctr"/>
+            <a:r>
+              <a:rPr lang="nl-BE" b="1" dirty="0"/>
+              <a:t>C1</a:t>
+            </a:r>
+          </a:p>
+        </p:txBody>
+      </p:sp>
+      <p:sp>
+        <p:nvSpPr>
+          <p:cNvPr id="71" name="Ovaal 70">
+            <a:extLst>
+              <a:ext uri="{FF2B5EF4-FFF2-40B4-BE49-F238E27FC236}">
+                <a16:creationId xmlns:a16="http://schemas.microsoft.com/office/drawing/2014/main" id="{89086976-7784-C742-8B8F-41DA40104976}"/>
+              </a:ext>
+            </a:extLst>
+          </p:cNvPr>
+          <p:cNvSpPr/>
+          <p:nvPr/>
+        </p:nvSpPr>
+        <p:spPr>
+          <a:xfrm>
+            <a:off x="7414675" y="3248751"/>
+            <a:ext cx="727710" cy="434974"/>
+          </a:xfrm>
+          <a:prstGeom prst="ellipse">
+            <a:avLst/>
+          </a:prstGeom>
+          <a:solidFill>
+            <a:schemeClr val="tx2">
+              <a:lumMod val="60000"/>
+              <a:lumOff val="40000"/>
+            </a:schemeClr>
+          </a:solidFill>
+        </p:spPr>
+        <p:style>
+          <a:lnRef idx="2">
+            <a:schemeClr val="accent1">
+              <a:shade val="50000"/>
+            </a:schemeClr>
+          </a:lnRef>
+          <a:fillRef idx="1">
+            <a:schemeClr val="accent1"/>
+          </a:fillRef>
+          <a:effectRef idx="0">
+            <a:schemeClr val="accent1"/>
+          </a:effectRef>
+          <a:fontRef idx="minor">
+            <a:schemeClr val="lt1"/>
+          </a:fontRef>
+        </p:style>
+        <p:txBody>
+          <a:bodyPr rtlCol="0" anchor="ctr"/>
+          <a:lstStyle/>
+          <a:p>
+            <a:pPr algn="ctr"/>
+            <a:r>
+              <a:rPr lang="nl-BE" b="1" dirty="0"/>
+              <a:t>C2</a:t>
+            </a:r>
+          </a:p>
+        </p:txBody>
+      </p:sp>
+      <p:sp>
+        <p:nvSpPr>
+          <p:cNvPr id="72" name="Ovaal 71">
+            <a:extLst>
+              <a:ext uri="{FF2B5EF4-FFF2-40B4-BE49-F238E27FC236}">
+                <a16:creationId xmlns:a16="http://schemas.microsoft.com/office/drawing/2014/main" id="{810FF5E9-2B0D-034D-A2AD-3CE99E8FD96C}"/>
+              </a:ext>
+            </a:extLst>
+          </p:cNvPr>
+          <p:cNvSpPr/>
+          <p:nvPr/>
+        </p:nvSpPr>
+        <p:spPr>
+          <a:xfrm>
+            <a:off x="8329075" y="3233511"/>
+            <a:ext cx="727710" cy="434974"/>
+          </a:xfrm>
+          <a:prstGeom prst="ellipse">
+            <a:avLst/>
+          </a:prstGeom>
+          <a:solidFill>
+            <a:schemeClr val="tx2">
+              <a:lumMod val="60000"/>
+              <a:lumOff val="40000"/>
+            </a:schemeClr>
+          </a:solidFill>
+        </p:spPr>
+        <p:style>
+          <a:lnRef idx="2">
+            <a:schemeClr val="accent1">
+              <a:shade val="50000"/>
+            </a:schemeClr>
+          </a:lnRef>
+          <a:fillRef idx="1">
+            <a:schemeClr val="accent1"/>
+          </a:fillRef>
+          <a:effectRef idx="0">
+            <a:schemeClr val="accent1"/>
+          </a:effectRef>
+          <a:fontRef idx="minor">
+            <a:schemeClr val="lt1"/>
+          </a:fontRef>
+        </p:style>
+        <p:txBody>
+          <a:bodyPr rtlCol="0" anchor="ctr"/>
+          <a:lstStyle/>
+          <a:p>
+            <a:pPr algn="ctr"/>
+            <a:r>
+              <a:rPr lang="nl-BE" b="1" dirty="0"/>
+              <a:t>C3</a:t>
+            </a:r>
+          </a:p>
+        </p:txBody>
+      </p:sp>
+      <p:sp>
+        <p:nvSpPr>
+          <p:cNvPr id="73" name="Ovaal 72">
+            <a:extLst>
+              <a:ext uri="{FF2B5EF4-FFF2-40B4-BE49-F238E27FC236}">
+                <a16:creationId xmlns:a16="http://schemas.microsoft.com/office/drawing/2014/main" id="{34D7D994-AF0C-CD4A-91B1-7C33E1870F10}"/>
+              </a:ext>
+            </a:extLst>
+          </p:cNvPr>
+          <p:cNvSpPr/>
+          <p:nvPr/>
+        </p:nvSpPr>
+        <p:spPr>
+          <a:xfrm>
+            <a:off x="9231900" y="3252996"/>
+            <a:ext cx="727710" cy="434974"/>
+          </a:xfrm>
+          <a:prstGeom prst="ellipse">
+            <a:avLst/>
+          </a:prstGeom>
+          <a:solidFill>
+            <a:schemeClr val="tx2">
+              <a:lumMod val="60000"/>
+              <a:lumOff val="40000"/>
+            </a:schemeClr>
+          </a:solidFill>
+        </p:spPr>
+        <p:style>
+          <a:lnRef idx="2">
+            <a:schemeClr val="accent1">
+              <a:shade val="50000"/>
+            </a:schemeClr>
+          </a:lnRef>
+          <a:fillRef idx="1">
+            <a:schemeClr val="accent1"/>
+          </a:fillRef>
+          <a:effectRef idx="0">
+            <a:schemeClr val="accent1"/>
+          </a:effectRef>
+          <a:fontRef idx="minor">
+            <a:schemeClr val="lt1"/>
+          </a:fontRef>
+        </p:style>
+        <p:txBody>
+          <a:bodyPr rtlCol="0" anchor="ctr"/>
+          <a:lstStyle/>
+          <a:p>
+            <a:pPr algn="ctr"/>
+            <a:r>
+              <a:rPr lang="nl-BE" b="1" dirty="0"/>
+              <a:t>C4</a:t>
+            </a:r>
+          </a:p>
+        </p:txBody>
+      </p:sp>
+      <p:cxnSp>
+        <p:nvCxnSpPr>
+          <p:cNvPr id="74" name="Rechte verbindingslijn 73">
+            <a:extLst>
+              <a:ext uri="{FF2B5EF4-FFF2-40B4-BE49-F238E27FC236}">
+                <a16:creationId xmlns:a16="http://schemas.microsoft.com/office/drawing/2014/main" id="{6CA2D960-121B-754D-BA02-29506C131317}"/>
+              </a:ext>
+            </a:extLst>
+          </p:cNvPr>
+          <p:cNvCxnSpPr>
+            <a:stCxn id="70" idx="6"/>
+            <a:endCxn id="71" idx="2"/>
+          </p:cNvCxnSpPr>
+          <p:nvPr/>
+        </p:nvCxnSpPr>
+        <p:spPr>
+          <a:xfrm flipV="1">
+            <a:off x="7227985" y="3466238"/>
+            <a:ext cx="186690" cy="4607"/>
+          </a:xfrm>
+          <a:prstGeom prst="line">
+            <a:avLst/>
+          </a:prstGeom>
+          <a:ln w="25400">
+            <a:solidFill>
+              <a:schemeClr val="bg1"/>
+            </a:solidFill>
+          </a:ln>
+        </p:spPr>
+        <p:style>
+          <a:lnRef idx="1">
+            <a:schemeClr val="accent1"/>
+          </a:lnRef>
+          <a:fillRef idx="0">
+            <a:schemeClr val="accent1"/>
+          </a:fillRef>
+          <a:effectRef idx="0">
+            <a:schemeClr val="accent1"/>
+          </a:effectRef>
+          <a:fontRef idx="minor">
+            <a:schemeClr val="tx1"/>
+          </a:fontRef>
+        </p:style>
+      </p:cxnSp>
+      <p:cxnSp>
+        <p:nvCxnSpPr>
+          <p:cNvPr id="75" name="Rechte verbindingslijn 74">
+            <a:extLst>
+              <a:ext uri="{FF2B5EF4-FFF2-40B4-BE49-F238E27FC236}">
+                <a16:creationId xmlns:a16="http://schemas.microsoft.com/office/drawing/2014/main" id="{159FDCF0-5313-2F44-BBC4-AC83AA898DAB}"/>
+              </a:ext>
+            </a:extLst>
+          </p:cNvPr>
+          <p:cNvCxnSpPr/>
+          <p:nvPr/>
+        </p:nvCxnSpPr>
+        <p:spPr>
+          <a:xfrm flipV="1">
+            <a:off x="8135298" y="3469776"/>
+            <a:ext cx="186690" cy="4607"/>
+          </a:xfrm>
+          <a:prstGeom prst="line">
+            <a:avLst/>
+          </a:prstGeom>
+          <a:ln w="25400">
+            <a:solidFill>
+              <a:schemeClr val="bg1"/>
+            </a:solidFill>
+          </a:ln>
+        </p:spPr>
+        <p:style>
+          <a:lnRef idx="1">
+            <a:schemeClr val="accent1"/>
+          </a:lnRef>
+          <a:fillRef idx="0">
+            <a:schemeClr val="accent1"/>
+          </a:fillRef>
+          <a:effectRef idx="0">
+            <a:schemeClr val="accent1"/>
+          </a:effectRef>
+          <a:fontRef idx="minor">
+            <a:schemeClr val="tx1"/>
+          </a:fontRef>
+        </p:style>
+      </p:cxnSp>
+      <p:cxnSp>
+        <p:nvCxnSpPr>
+          <p:cNvPr id="76" name="Rechte verbindingslijn 75">
+            <a:extLst>
+              <a:ext uri="{FF2B5EF4-FFF2-40B4-BE49-F238E27FC236}">
+                <a16:creationId xmlns:a16="http://schemas.microsoft.com/office/drawing/2014/main" id="{A9E26014-B89B-034A-A32A-0C04DE1FC3CB}"/>
+              </a:ext>
+            </a:extLst>
+          </p:cNvPr>
+          <p:cNvCxnSpPr/>
+          <p:nvPr/>
+        </p:nvCxnSpPr>
+        <p:spPr>
+          <a:xfrm flipV="1">
+            <a:off x="9042611" y="3473314"/>
+            <a:ext cx="186690" cy="4607"/>
+          </a:xfrm>
+          <a:prstGeom prst="line">
+            <a:avLst/>
+          </a:prstGeom>
+          <a:ln w="25400">
+            <a:solidFill>
+              <a:schemeClr val="bg1"/>
+            </a:solidFill>
+          </a:ln>
+        </p:spPr>
+        <p:style>
+          <a:lnRef idx="1">
+            <a:schemeClr val="accent1"/>
+          </a:lnRef>
+          <a:fillRef idx="0">
+            <a:schemeClr val="accent1"/>
+          </a:fillRef>
+          <a:effectRef idx="0">
+            <a:schemeClr val="accent1"/>
+          </a:effectRef>
+          <a:fontRef idx="minor">
+            <a:schemeClr val="tx1"/>
+          </a:fontRef>
+        </p:style>
+      </p:cxnSp>
+      <p:sp>
+        <p:nvSpPr>
+          <p:cNvPr id="77" name="Tekstvak 76">
+            <a:extLst>
+              <a:ext uri="{FF2B5EF4-FFF2-40B4-BE49-F238E27FC236}">
+                <a16:creationId xmlns:a16="http://schemas.microsoft.com/office/drawing/2014/main" id="{D842CD1D-9C21-CC47-AFCF-9DABD671D460}"/>
+              </a:ext>
+            </a:extLst>
+          </p:cNvPr>
+          <p:cNvSpPr txBox="1"/>
+          <p:nvPr/>
+        </p:nvSpPr>
+        <p:spPr>
+          <a:xfrm>
+            <a:off x="11126579" y="3698823"/>
+            <a:ext cx="614271" cy="369332"/>
+          </a:xfrm>
+          <a:prstGeom prst="rect">
+            <a:avLst/>
+          </a:prstGeom>
+          <a:noFill/>
+        </p:spPr>
+        <p:txBody>
+          <a:bodyPr wrap="none" rtlCol="0">
+            <a:spAutoFit/>
+          </a:bodyPr>
+          <a:lstStyle/>
+          <a:p>
+            <a:r>
+              <a:rPr lang="nl-BE" b="1" dirty="0">
+                <a:solidFill>
+                  <a:schemeClr val="bg1"/>
+                </a:solidFill>
+              </a:rPr>
+              <a:t>dev</a:t>
+            </a:r>
+          </a:p>
+        </p:txBody>
+      </p:sp>
+      <p:sp>
+        <p:nvSpPr>
+          <p:cNvPr id="78" name="Ovaal 77">
+            <a:extLst>
+              <a:ext uri="{FF2B5EF4-FFF2-40B4-BE49-F238E27FC236}">
+                <a16:creationId xmlns:a16="http://schemas.microsoft.com/office/drawing/2014/main" id="{70BA999B-2867-BD43-A34C-DF1E400AEAAB}"/>
+              </a:ext>
+            </a:extLst>
+          </p:cNvPr>
+          <p:cNvSpPr/>
+          <p:nvPr/>
+        </p:nvSpPr>
+        <p:spPr>
+          <a:xfrm>
+            <a:off x="10200860" y="3249004"/>
+            <a:ext cx="727710" cy="434974"/>
+          </a:xfrm>
+          <a:prstGeom prst="ellipse">
+            <a:avLst/>
+          </a:prstGeom>
+          <a:solidFill>
+            <a:schemeClr val="tx2">
+              <a:lumMod val="60000"/>
+              <a:lumOff val="40000"/>
+            </a:schemeClr>
+          </a:solidFill>
+        </p:spPr>
+        <p:style>
+          <a:lnRef idx="2">
+            <a:schemeClr val="accent1">
+              <a:shade val="50000"/>
+            </a:schemeClr>
+          </a:lnRef>
+          <a:fillRef idx="1">
+            <a:schemeClr val="accent1"/>
+          </a:fillRef>
+          <a:effectRef idx="0">
+            <a:schemeClr val="accent1"/>
+          </a:effectRef>
+          <a:fontRef idx="minor">
+            <a:schemeClr val="lt1"/>
+          </a:fontRef>
+        </p:style>
+        <p:txBody>
+          <a:bodyPr rtlCol="0" anchor="ctr"/>
+          <a:lstStyle/>
+          <a:p>
+            <a:pPr algn="ctr"/>
+            <a:r>
+              <a:rPr lang="nl-BE" b="1" dirty="0"/>
+              <a:t>C5</a:t>
+            </a:r>
+          </a:p>
+        </p:txBody>
+      </p:sp>
+      <p:sp>
+        <p:nvSpPr>
+          <p:cNvPr id="79" name="Ovaal 78">
+            <a:extLst>
+              <a:ext uri="{FF2B5EF4-FFF2-40B4-BE49-F238E27FC236}">
+                <a16:creationId xmlns:a16="http://schemas.microsoft.com/office/drawing/2014/main" id="{963CDD35-3FA5-CF48-A79A-D83CFAAB7627}"/>
+              </a:ext>
+            </a:extLst>
+          </p:cNvPr>
+          <p:cNvSpPr/>
+          <p:nvPr/>
+        </p:nvSpPr>
+        <p:spPr>
+          <a:xfrm>
+            <a:off x="11115115" y="3268489"/>
+            <a:ext cx="727710" cy="434974"/>
+          </a:xfrm>
+          <a:prstGeom prst="ellipse">
+            <a:avLst/>
+          </a:prstGeom>
+          <a:solidFill>
+            <a:schemeClr val="tx2">
+              <a:lumMod val="60000"/>
+              <a:lumOff val="40000"/>
+            </a:schemeClr>
+          </a:solidFill>
+        </p:spPr>
+        <p:style>
+          <a:lnRef idx="2">
+            <a:schemeClr val="accent1">
+              <a:shade val="50000"/>
+            </a:schemeClr>
+          </a:lnRef>
+          <a:fillRef idx="1">
+            <a:schemeClr val="accent1"/>
+          </a:fillRef>
+          <a:effectRef idx="0">
+            <a:schemeClr val="accent1"/>
+          </a:effectRef>
+          <a:fontRef idx="minor">
+            <a:schemeClr val="lt1"/>
+          </a:fontRef>
+        </p:style>
+        <p:txBody>
+          <a:bodyPr rtlCol="0" anchor="ctr"/>
+          <a:lstStyle/>
+          <a:p>
+            <a:pPr algn="ctr"/>
+            <a:r>
+              <a:rPr lang="nl-BE" b="1" dirty="0"/>
+              <a:t>C6</a:t>
+            </a:r>
+          </a:p>
+        </p:txBody>
+      </p:sp>
+      <p:cxnSp>
+        <p:nvCxnSpPr>
+          <p:cNvPr id="80" name="Rechte verbindingslijn 79">
+            <a:extLst>
+              <a:ext uri="{FF2B5EF4-FFF2-40B4-BE49-F238E27FC236}">
+                <a16:creationId xmlns:a16="http://schemas.microsoft.com/office/drawing/2014/main" id="{51532856-16B0-6C4E-9500-72ABEAE46659}"/>
+              </a:ext>
+            </a:extLst>
+          </p:cNvPr>
+          <p:cNvCxnSpPr>
+            <a:cxnSpLocks/>
+            <a:stCxn id="73" idx="6"/>
+            <a:endCxn id="78" idx="2"/>
+          </p:cNvCxnSpPr>
+          <p:nvPr/>
+        </p:nvCxnSpPr>
+        <p:spPr>
+          <a:xfrm flipV="1">
+            <a:off x="9959610" y="3466491"/>
+            <a:ext cx="241250" cy="3992"/>
+          </a:xfrm>
+          <a:prstGeom prst="line">
+            <a:avLst/>
+          </a:prstGeom>
+          <a:ln w="25400">
+            <a:solidFill>
+              <a:schemeClr val="bg1"/>
+            </a:solidFill>
+          </a:ln>
+        </p:spPr>
+        <p:style>
+          <a:lnRef idx="1">
+            <a:schemeClr val="accent1"/>
+          </a:lnRef>
+          <a:fillRef idx="0">
+            <a:schemeClr val="accent1"/>
+          </a:fillRef>
+          <a:effectRef idx="0">
+            <a:schemeClr val="accent1"/>
+          </a:effectRef>
+          <a:fontRef idx="minor">
+            <a:schemeClr val="tx1"/>
+          </a:fontRef>
+        </p:style>
+      </p:cxnSp>
+      <p:cxnSp>
+        <p:nvCxnSpPr>
+          <p:cNvPr id="81" name="Rechte verbindingslijn 80">
+            <a:extLst>
+              <a:ext uri="{FF2B5EF4-FFF2-40B4-BE49-F238E27FC236}">
+                <a16:creationId xmlns:a16="http://schemas.microsoft.com/office/drawing/2014/main" id="{18F57256-323F-484A-B209-999C39089A21}"/>
+              </a:ext>
+            </a:extLst>
+          </p:cNvPr>
+          <p:cNvCxnSpPr/>
+          <p:nvPr/>
+        </p:nvCxnSpPr>
+        <p:spPr>
+          <a:xfrm flipV="1">
+            <a:off x="10925826" y="3488807"/>
+            <a:ext cx="186690" cy="4607"/>
+          </a:xfrm>
+          <a:prstGeom prst="line">
+            <a:avLst/>
+          </a:prstGeom>
+          <a:ln w="25400">
+            <a:solidFill>
+              <a:schemeClr val="bg1"/>
+            </a:solidFill>
+          </a:ln>
+        </p:spPr>
+        <p:style>
+          <a:lnRef idx="1">
+            <a:schemeClr val="accent1"/>
+          </a:lnRef>
+          <a:fillRef idx="0">
+            <a:schemeClr val="accent1"/>
+          </a:fillRef>
+          <a:effectRef idx="0">
+            <a:schemeClr val="accent1"/>
+          </a:effectRef>
+          <a:fontRef idx="minor">
+            <a:schemeClr val="tx1"/>
+          </a:fontRef>
+        </p:style>
+      </p:cxnSp>
+      <p:sp>
+        <p:nvSpPr>
+          <p:cNvPr id="82" name="Pijl omlaag 81">
+            <a:extLst>
+              <a:ext uri="{FF2B5EF4-FFF2-40B4-BE49-F238E27FC236}">
+                <a16:creationId xmlns:a16="http://schemas.microsoft.com/office/drawing/2014/main" id="{7A0D5D6B-61CC-DB45-87FB-760EC7EC75A7}"/>
+              </a:ext>
+            </a:extLst>
+          </p:cNvPr>
+          <p:cNvSpPr/>
+          <p:nvPr/>
+        </p:nvSpPr>
+        <p:spPr>
+          <a:xfrm rot="16200000">
+            <a:off x="5352862" y="3187707"/>
+            <a:ext cx="459763" cy="733974"/>
+          </a:xfrm>
+          <a:prstGeom prst="downArrow">
+            <a:avLst/>
+          </a:prstGeom>
+          <a:solidFill>
+            <a:schemeClr val="bg1"/>
+          </a:solidFill>
+        </p:spPr>
+        <p:style>
+          <a:lnRef idx="2">
+            <a:schemeClr val="accent1">
+              <a:shade val="50000"/>
+            </a:schemeClr>
+          </a:lnRef>
+          <a:fillRef idx="1">
+            <a:schemeClr val="accent1"/>
+          </a:fillRef>
+          <a:effectRef idx="0">
+            <a:schemeClr val="accent1"/>
+          </a:effectRef>
+          <a:fontRef idx="minor">
+            <a:schemeClr val="lt1"/>
+          </a:fontRef>
+        </p:style>
+        <p:txBody>
+          <a:bodyPr rtlCol="0" anchor="ctr"/>
+          <a:lstStyle/>
+          <a:p>
+            <a:pPr algn="ctr"/>
+            <a:endParaRPr lang="nl-BE"/>
+          </a:p>
+        </p:txBody>
+      </p:sp>
+      <p:sp>
+        <p:nvSpPr>
+          <p:cNvPr id="83" name="Pijl omlaag 82">
+            <a:extLst>
+              <a:ext uri="{FF2B5EF4-FFF2-40B4-BE49-F238E27FC236}">
+                <a16:creationId xmlns:a16="http://schemas.microsoft.com/office/drawing/2014/main" id="{E81DDC02-8D57-D246-9462-1651DDFCEF07}"/>
+              </a:ext>
+            </a:extLst>
+          </p:cNvPr>
+          <p:cNvSpPr/>
+          <p:nvPr/>
+        </p:nvSpPr>
+        <p:spPr>
+          <a:xfrm rot="14529709">
+            <a:off x="5352862" y="2080512"/>
+            <a:ext cx="459763" cy="733974"/>
+          </a:xfrm>
+          <a:prstGeom prst="downArrow">
+            <a:avLst/>
+          </a:prstGeom>
+          <a:solidFill>
+            <a:schemeClr val="bg1"/>
+          </a:solidFill>
+        </p:spPr>
+        <p:style>
+          <a:lnRef idx="2">
+            <a:schemeClr val="accent1">
+              <a:shade val="50000"/>
+            </a:schemeClr>
+          </a:lnRef>
+          <a:fillRef idx="1">
+            <a:schemeClr val="accent1"/>
+          </a:fillRef>
+          <a:effectRef idx="0">
+            <a:schemeClr val="accent1"/>
+          </a:effectRef>
+          <a:fontRef idx="minor">
+            <a:schemeClr val="lt1"/>
+          </a:fontRef>
+        </p:style>
+        <p:txBody>
+          <a:bodyPr rtlCol="0" anchor="ctr"/>
+          <a:lstStyle/>
+          <a:p>
+            <a:pPr algn="ctr"/>
+            <a:endParaRPr lang="nl-BE"/>
+          </a:p>
+        </p:txBody>
+      </p:sp>
+      <p:sp>
+        <p:nvSpPr>
+          <p:cNvPr id="100" name="Tekstvak 99">
+            <a:extLst>
+              <a:ext uri="{FF2B5EF4-FFF2-40B4-BE49-F238E27FC236}">
+                <a16:creationId xmlns:a16="http://schemas.microsoft.com/office/drawing/2014/main" id="{490A62C7-3F1B-DB47-99CB-28CA543F033E}"/>
+              </a:ext>
+            </a:extLst>
+          </p:cNvPr>
+          <p:cNvSpPr txBox="1"/>
+          <p:nvPr/>
+        </p:nvSpPr>
+        <p:spPr>
+          <a:xfrm>
+            <a:off x="11005923" y="2858794"/>
+            <a:ext cx="946093" cy="369332"/>
+          </a:xfrm>
+          <a:prstGeom prst="rect">
+            <a:avLst/>
+          </a:prstGeom>
+          <a:noFill/>
+        </p:spPr>
+        <p:txBody>
+          <a:bodyPr wrap="none" rtlCol="0">
+            <a:spAutoFit/>
+          </a:bodyPr>
+          <a:lstStyle/>
+          <a:p>
+            <a:r>
+              <a:rPr lang="nl-BE" b="1" dirty="0">
+                <a:solidFill>
+                  <a:schemeClr val="bg1"/>
+                </a:solidFill>
+              </a:rPr>
+              <a:t>master</a:t>
+            </a:r>
+          </a:p>
+        </p:txBody>
+      </p:sp>
+      <p:sp>
+        <p:nvSpPr>
+          <p:cNvPr id="101" name="Titel 1">
+            <a:extLst>
+              <a:ext uri="{FF2B5EF4-FFF2-40B4-BE49-F238E27FC236}">
+                <a16:creationId xmlns:a16="http://schemas.microsoft.com/office/drawing/2014/main" id="{0C8EE3B9-F58E-A74B-8F79-14E0EBCC9A45}"/>
+              </a:ext>
+            </a:extLst>
+          </p:cNvPr>
+          <p:cNvSpPr txBox="1">
+            <a:spLocks/>
+          </p:cNvSpPr>
+          <p:nvPr/>
+        </p:nvSpPr>
+        <p:spPr>
+          <a:xfrm>
+            <a:off x="15037" y="2454082"/>
+            <a:ext cx="2117980" cy="434974"/>
+          </a:xfrm>
+          <a:prstGeom prst="rect">
+            <a:avLst/>
+          </a:prstGeom>
+          <a:effectLst>
+            <a:outerShdw blurRad="50800" dir="14400000">
+              <a:srgbClr val="000000">
+                <a:alpha val="60000"/>
+              </a:srgbClr>
+            </a:outerShdw>
+          </a:effectLst>
+        </p:spPr>
+        <p:txBody>
+          <a:bodyPr vert="horz" lIns="91440" tIns="45720" rIns="91440" bIns="45720" rtlCol="0" anchor="b">
+            <a:noAutofit/>
+          </a:bodyPr>
+          <a:lstStyle>
+            <a:lvl1pPr algn="l" defTabSz="457200" rtl="0" eaLnBrk="1" latinLnBrk="0" hangingPunct="1">
+              <a:spcBef>
+                <a:spcPct val="0"/>
+              </a:spcBef>
+              <a:buNone/>
+              <a:defRPr sz="5400" b="1" kern="1200">
+                <a:solidFill>
+                  <a:srgbClr val="FEFEFE"/>
+                </a:solidFill>
+                <a:latin typeface="+mj-lt"/>
+                <a:ea typeface="+mj-ea"/>
+                <a:cs typeface="+mj-cs"/>
+              </a:defRPr>
+            </a:lvl1pPr>
+            <a:lvl2pPr eaLnBrk="1" hangingPunct="1">
+              <a:defRPr>
+                <a:solidFill>
+                  <a:schemeClr val="tx2"/>
+                </a:solidFill>
+              </a:defRPr>
+            </a:lvl2pPr>
+            <a:lvl3pPr eaLnBrk="1" hangingPunct="1">
+              <a:defRPr>
+                <a:solidFill>
+                  <a:schemeClr val="tx2"/>
+                </a:solidFill>
+              </a:defRPr>
+            </a:lvl3pPr>
+            <a:lvl4pPr eaLnBrk="1" hangingPunct="1">
+              <a:defRPr>
+                <a:solidFill>
+                  <a:schemeClr val="tx2"/>
+                </a:solidFill>
+              </a:defRPr>
+            </a:lvl4pPr>
+            <a:lvl5pPr eaLnBrk="1" hangingPunct="1">
+              <a:defRPr>
+                <a:solidFill>
+                  <a:schemeClr val="tx2"/>
+                </a:solidFill>
+              </a:defRPr>
+            </a:lvl5pPr>
+            <a:lvl6pPr eaLnBrk="1" hangingPunct="1">
+              <a:defRPr>
+                <a:solidFill>
+                  <a:schemeClr val="tx2"/>
+                </a:solidFill>
+              </a:defRPr>
+            </a:lvl6pPr>
+            <a:lvl7pPr eaLnBrk="1" hangingPunct="1">
+              <a:defRPr>
+                <a:solidFill>
+                  <a:schemeClr val="tx2"/>
+                </a:solidFill>
+              </a:defRPr>
+            </a:lvl7pPr>
+            <a:lvl8pPr eaLnBrk="1" hangingPunct="1">
+              <a:defRPr>
+                <a:solidFill>
+                  <a:schemeClr val="tx2"/>
+                </a:solidFill>
+              </a:defRPr>
+            </a:lvl8pPr>
+            <a:lvl9pPr eaLnBrk="1" hangingPunct="1">
+              <a:defRPr>
+                <a:solidFill>
+                  <a:schemeClr val="tx2"/>
+                </a:solidFill>
+              </a:defRPr>
+            </a:lvl9pPr>
+          </a:lstStyle>
+          <a:p>
+            <a:pPr marL="285750" indent="-285750" algn="ctr">
+              <a:buFontTx/>
+              <a:buChar char="-"/>
+            </a:pPr>
+            <a:r>
+              <a:rPr lang="nl-BE" sz="1400" dirty="0"/>
+              <a:t>git checkout dev</a:t>
+            </a:r>
+          </a:p>
+          <a:p>
+            <a:pPr marL="285750" indent="-285750" algn="ctr">
+              <a:buFontTx/>
+              <a:buChar char="-"/>
+            </a:pPr>
+            <a:r>
+              <a:rPr lang="nl-BE" sz="1400" dirty="0"/>
+              <a:t>git rebase master</a:t>
+            </a:r>
+          </a:p>
+        </p:txBody>
+      </p:sp>
+      <p:sp>
+        <p:nvSpPr>
+          <p:cNvPr id="102" name="Titel 1">
+            <a:extLst>
+              <a:ext uri="{FF2B5EF4-FFF2-40B4-BE49-F238E27FC236}">
+                <a16:creationId xmlns:a16="http://schemas.microsoft.com/office/drawing/2014/main" id="{244729FA-3CC5-A844-BCF0-940263AFA1A9}"/>
+              </a:ext>
+            </a:extLst>
+          </p:cNvPr>
+          <p:cNvSpPr txBox="1">
+            <a:spLocks/>
+          </p:cNvSpPr>
+          <p:nvPr/>
+        </p:nvSpPr>
+        <p:spPr>
+          <a:xfrm>
+            <a:off x="5163981" y="3856502"/>
+            <a:ext cx="2524054" cy="434974"/>
+          </a:xfrm>
+          <a:prstGeom prst="rect">
+            <a:avLst/>
+          </a:prstGeom>
+          <a:effectLst>
+            <a:outerShdw blurRad="50800" dir="14400000">
+              <a:srgbClr val="000000">
+                <a:alpha val="60000"/>
+              </a:srgbClr>
+            </a:outerShdw>
+          </a:effectLst>
+        </p:spPr>
+        <p:txBody>
+          <a:bodyPr vert="horz" lIns="91440" tIns="45720" rIns="91440" bIns="45720" rtlCol="0" anchor="b">
+            <a:noAutofit/>
+          </a:bodyPr>
+          <a:lstStyle>
+            <a:lvl1pPr algn="l" defTabSz="457200" rtl="0" eaLnBrk="1" latinLnBrk="0" hangingPunct="1">
+              <a:spcBef>
+                <a:spcPct val="0"/>
+              </a:spcBef>
+              <a:buNone/>
+              <a:defRPr sz="5400" b="1" kern="1200">
+                <a:solidFill>
+                  <a:srgbClr val="FEFEFE"/>
+                </a:solidFill>
+                <a:latin typeface="+mj-lt"/>
+                <a:ea typeface="+mj-ea"/>
+                <a:cs typeface="+mj-cs"/>
+              </a:defRPr>
+            </a:lvl1pPr>
+            <a:lvl2pPr eaLnBrk="1" hangingPunct="1">
+              <a:defRPr>
+                <a:solidFill>
+                  <a:schemeClr val="tx2"/>
+                </a:solidFill>
+              </a:defRPr>
+            </a:lvl2pPr>
+            <a:lvl3pPr eaLnBrk="1" hangingPunct="1">
+              <a:defRPr>
+                <a:solidFill>
+                  <a:schemeClr val="tx2"/>
+                </a:solidFill>
+              </a:defRPr>
+            </a:lvl3pPr>
+            <a:lvl4pPr eaLnBrk="1" hangingPunct="1">
+              <a:defRPr>
+                <a:solidFill>
+                  <a:schemeClr val="tx2"/>
+                </a:solidFill>
+              </a:defRPr>
+            </a:lvl4pPr>
+            <a:lvl5pPr eaLnBrk="1" hangingPunct="1">
+              <a:defRPr>
+                <a:solidFill>
+                  <a:schemeClr val="tx2"/>
+                </a:solidFill>
+              </a:defRPr>
+            </a:lvl5pPr>
+            <a:lvl6pPr eaLnBrk="1" hangingPunct="1">
+              <a:defRPr>
+                <a:solidFill>
+                  <a:schemeClr val="tx2"/>
+                </a:solidFill>
+              </a:defRPr>
+            </a:lvl6pPr>
+            <a:lvl7pPr eaLnBrk="1" hangingPunct="1">
+              <a:defRPr>
+                <a:solidFill>
+                  <a:schemeClr val="tx2"/>
+                </a:solidFill>
+              </a:defRPr>
+            </a:lvl7pPr>
+            <a:lvl8pPr eaLnBrk="1" hangingPunct="1">
+              <a:defRPr>
+                <a:solidFill>
+                  <a:schemeClr val="tx2"/>
+                </a:solidFill>
+              </a:defRPr>
+            </a:lvl8pPr>
+            <a:lvl9pPr eaLnBrk="1" hangingPunct="1">
+              <a:defRPr>
+                <a:solidFill>
+                  <a:schemeClr val="tx2"/>
+                </a:solidFill>
+              </a:defRPr>
+            </a:lvl9pPr>
+          </a:lstStyle>
+          <a:p>
+            <a:pPr marL="285750" indent="-285750">
+              <a:buFontTx/>
+              <a:buChar char="-"/>
+            </a:pPr>
+            <a:r>
+              <a:rPr lang="nl-BE" sz="1400" dirty="0"/>
+              <a:t>git checkout master</a:t>
+            </a:r>
+          </a:p>
+          <a:p>
+            <a:pPr marL="285750" indent="-285750">
+              <a:buFontTx/>
+              <a:buChar char="-"/>
+            </a:pPr>
+            <a:r>
+              <a:rPr lang="nl-BE" sz="1400" dirty="0"/>
+              <a:t>git rebase dev</a:t>
+            </a:r>
+          </a:p>
+        </p:txBody>
+      </p:sp>
+      <p:sp>
+        <p:nvSpPr>
+          <p:cNvPr id="103" name="Titel 1">
+            <a:extLst>
+              <a:ext uri="{FF2B5EF4-FFF2-40B4-BE49-F238E27FC236}">
+                <a16:creationId xmlns:a16="http://schemas.microsoft.com/office/drawing/2014/main" id="{54A1819D-AAE7-FE42-B465-3F29D33F39CA}"/>
+              </a:ext>
+            </a:extLst>
+          </p:cNvPr>
+          <p:cNvSpPr txBox="1">
+            <a:spLocks/>
+          </p:cNvSpPr>
+          <p:nvPr/>
+        </p:nvSpPr>
+        <p:spPr>
+          <a:xfrm>
+            <a:off x="4338020" y="2935444"/>
+            <a:ext cx="2576356" cy="434974"/>
+          </a:xfrm>
+          <a:prstGeom prst="rect">
+            <a:avLst/>
+          </a:prstGeom>
+          <a:effectLst>
+            <a:outerShdw blurRad="50800" dir="14400000">
+              <a:srgbClr val="000000">
+                <a:alpha val="60000"/>
+              </a:srgbClr>
+            </a:outerShdw>
+          </a:effectLst>
+        </p:spPr>
+        <p:txBody>
+          <a:bodyPr vert="horz" lIns="91440" tIns="45720" rIns="91440" bIns="45720" rtlCol="0" anchor="b">
+            <a:noAutofit/>
+          </a:bodyPr>
+          <a:lstStyle>
+            <a:lvl1pPr algn="l" defTabSz="457200" rtl="0" eaLnBrk="1" latinLnBrk="0" hangingPunct="1">
+              <a:spcBef>
+                <a:spcPct val="0"/>
+              </a:spcBef>
+              <a:buNone/>
+              <a:defRPr sz="5400" b="1" kern="1200">
+                <a:solidFill>
+                  <a:srgbClr val="FEFEFE"/>
+                </a:solidFill>
+                <a:latin typeface="+mj-lt"/>
+                <a:ea typeface="+mj-ea"/>
+                <a:cs typeface="+mj-cs"/>
+              </a:defRPr>
+            </a:lvl1pPr>
+            <a:lvl2pPr eaLnBrk="1" hangingPunct="1">
+              <a:defRPr>
+                <a:solidFill>
+                  <a:schemeClr val="tx2"/>
+                </a:solidFill>
+              </a:defRPr>
+            </a:lvl2pPr>
+            <a:lvl3pPr eaLnBrk="1" hangingPunct="1">
+              <a:defRPr>
+                <a:solidFill>
+                  <a:schemeClr val="tx2"/>
+                </a:solidFill>
+              </a:defRPr>
+            </a:lvl3pPr>
+            <a:lvl4pPr eaLnBrk="1" hangingPunct="1">
+              <a:defRPr>
+                <a:solidFill>
+                  <a:schemeClr val="tx2"/>
+                </a:solidFill>
+              </a:defRPr>
+            </a:lvl4pPr>
+            <a:lvl5pPr eaLnBrk="1" hangingPunct="1">
+              <a:defRPr>
+                <a:solidFill>
+                  <a:schemeClr val="tx2"/>
+                </a:solidFill>
+              </a:defRPr>
+            </a:lvl5pPr>
+            <a:lvl6pPr eaLnBrk="1" hangingPunct="1">
+              <a:defRPr>
+                <a:solidFill>
+                  <a:schemeClr val="tx2"/>
+                </a:solidFill>
+              </a:defRPr>
+            </a:lvl6pPr>
+            <a:lvl7pPr eaLnBrk="1" hangingPunct="1">
+              <a:defRPr>
+                <a:solidFill>
+                  <a:schemeClr val="tx2"/>
+                </a:solidFill>
+              </a:defRPr>
+            </a:lvl7pPr>
+            <a:lvl8pPr eaLnBrk="1" hangingPunct="1">
+              <a:defRPr>
+                <a:solidFill>
+                  <a:schemeClr val="tx2"/>
+                </a:solidFill>
+              </a:defRPr>
+            </a:lvl8pPr>
+            <a:lvl9pPr eaLnBrk="1" hangingPunct="1">
+              <a:defRPr>
+                <a:solidFill>
+                  <a:schemeClr val="tx2"/>
+                </a:solidFill>
+              </a:defRPr>
+            </a:lvl9pPr>
+          </a:lstStyle>
+          <a:p>
+            <a:pPr algn="ctr"/>
+            <a:r>
+              <a:rPr lang="nl-BE" sz="2400"/>
+              <a:t>Rebase</a:t>
+            </a:r>
+            <a:endParaRPr lang="nl-BE" sz="2400" dirty="0"/>
+          </a:p>
+        </p:txBody>
+      </p:sp>
+      <p:sp>
+        <p:nvSpPr>
+          <p:cNvPr id="104" name="Titel 1">
+            <a:extLst>
+              <a:ext uri="{FF2B5EF4-FFF2-40B4-BE49-F238E27FC236}">
+                <a16:creationId xmlns:a16="http://schemas.microsoft.com/office/drawing/2014/main" id="{D894BEBC-80FB-CB48-93B1-A693CA58DD58}"/>
+              </a:ext>
+            </a:extLst>
+          </p:cNvPr>
+          <p:cNvSpPr txBox="1">
+            <a:spLocks/>
+          </p:cNvSpPr>
+          <p:nvPr/>
+        </p:nvSpPr>
+        <p:spPr>
+          <a:xfrm rot="19798952">
+            <a:off x="4289646" y="1750924"/>
+            <a:ext cx="2005630" cy="434974"/>
+          </a:xfrm>
+          <a:prstGeom prst="rect">
+            <a:avLst/>
+          </a:prstGeom>
+          <a:effectLst>
+            <a:outerShdw blurRad="50800" dir="14400000">
+              <a:srgbClr val="000000">
+                <a:alpha val="60000"/>
+              </a:srgbClr>
+            </a:outerShdw>
+          </a:effectLst>
+        </p:spPr>
+        <p:txBody>
+          <a:bodyPr vert="horz" lIns="91440" tIns="45720" rIns="91440" bIns="45720" rtlCol="0" anchor="b">
+            <a:noAutofit/>
+          </a:bodyPr>
+          <a:lstStyle>
+            <a:lvl1pPr algn="l" defTabSz="457200" rtl="0" eaLnBrk="1" latinLnBrk="0" hangingPunct="1">
+              <a:spcBef>
+                <a:spcPct val="0"/>
+              </a:spcBef>
+              <a:buNone/>
+              <a:defRPr sz="5400" b="1" kern="1200">
+                <a:solidFill>
+                  <a:srgbClr val="FEFEFE"/>
+                </a:solidFill>
+                <a:latin typeface="+mj-lt"/>
+                <a:ea typeface="+mj-ea"/>
+                <a:cs typeface="+mj-cs"/>
+              </a:defRPr>
+            </a:lvl1pPr>
+            <a:lvl2pPr eaLnBrk="1" hangingPunct="1">
+              <a:defRPr>
+                <a:solidFill>
+                  <a:schemeClr val="tx2"/>
+                </a:solidFill>
+              </a:defRPr>
+            </a:lvl2pPr>
+            <a:lvl3pPr eaLnBrk="1" hangingPunct="1">
+              <a:defRPr>
+                <a:solidFill>
+                  <a:schemeClr val="tx2"/>
+                </a:solidFill>
+              </a:defRPr>
+            </a:lvl3pPr>
+            <a:lvl4pPr eaLnBrk="1" hangingPunct="1">
+              <a:defRPr>
+                <a:solidFill>
+                  <a:schemeClr val="tx2"/>
+                </a:solidFill>
+              </a:defRPr>
+            </a:lvl4pPr>
+            <a:lvl5pPr eaLnBrk="1" hangingPunct="1">
+              <a:defRPr>
+                <a:solidFill>
+                  <a:schemeClr val="tx2"/>
+                </a:solidFill>
+              </a:defRPr>
+            </a:lvl5pPr>
+            <a:lvl6pPr eaLnBrk="1" hangingPunct="1">
+              <a:defRPr>
+                <a:solidFill>
+                  <a:schemeClr val="tx2"/>
+                </a:solidFill>
+              </a:defRPr>
+            </a:lvl6pPr>
+            <a:lvl7pPr eaLnBrk="1" hangingPunct="1">
+              <a:defRPr>
+                <a:solidFill>
+                  <a:schemeClr val="tx2"/>
+                </a:solidFill>
+              </a:defRPr>
+            </a:lvl7pPr>
+            <a:lvl8pPr eaLnBrk="1" hangingPunct="1">
+              <a:defRPr>
+                <a:solidFill>
+                  <a:schemeClr val="tx2"/>
+                </a:solidFill>
+              </a:defRPr>
+            </a:lvl8pPr>
+            <a:lvl9pPr eaLnBrk="1" hangingPunct="1">
+              <a:defRPr>
+                <a:solidFill>
+                  <a:schemeClr val="tx2"/>
+                </a:solidFill>
+              </a:defRPr>
+            </a:lvl9pPr>
+          </a:lstStyle>
+          <a:p>
+            <a:pPr algn="ctr"/>
+            <a:r>
+              <a:rPr lang="nl-BE" sz="2400" dirty="0"/>
+              <a:t>FF merge</a:t>
+            </a:r>
+          </a:p>
+        </p:txBody>
+      </p:sp>
+      <p:sp>
+        <p:nvSpPr>
+          <p:cNvPr id="106" name="Ovaal 105">
+            <a:extLst>
+              <a:ext uri="{FF2B5EF4-FFF2-40B4-BE49-F238E27FC236}">
+                <a16:creationId xmlns:a16="http://schemas.microsoft.com/office/drawing/2014/main" id="{3259FB8F-4B21-2344-A19D-3B4B1EC39BE8}"/>
+              </a:ext>
+            </a:extLst>
+          </p:cNvPr>
+          <p:cNvSpPr/>
+          <p:nvPr/>
+        </p:nvSpPr>
+        <p:spPr>
+          <a:xfrm>
+            <a:off x="6515515" y="1759838"/>
+            <a:ext cx="727710" cy="434974"/>
+          </a:xfrm>
+          <a:prstGeom prst="ellipse">
+            <a:avLst/>
+          </a:prstGeom>
+          <a:solidFill>
+            <a:schemeClr val="tx2">
+              <a:lumMod val="60000"/>
+              <a:lumOff val="40000"/>
+            </a:schemeClr>
+          </a:solidFill>
+        </p:spPr>
+        <p:style>
+          <a:lnRef idx="2">
+            <a:schemeClr val="accent1">
+              <a:shade val="50000"/>
+            </a:schemeClr>
+          </a:lnRef>
+          <a:fillRef idx="1">
+            <a:schemeClr val="accent1"/>
+          </a:fillRef>
+          <a:effectRef idx="0">
+            <a:schemeClr val="accent1"/>
+          </a:effectRef>
+          <a:fontRef idx="minor">
+            <a:schemeClr val="lt1"/>
+          </a:fontRef>
+        </p:style>
+        <p:txBody>
+          <a:bodyPr rtlCol="0" anchor="ctr"/>
+          <a:lstStyle/>
+          <a:p>
+            <a:pPr algn="ctr"/>
+            <a:r>
+              <a:rPr lang="nl-BE" b="1" dirty="0"/>
+              <a:t>C1</a:t>
+            </a:r>
+          </a:p>
+        </p:txBody>
+      </p:sp>
+      <p:sp>
+        <p:nvSpPr>
+          <p:cNvPr id="107" name="Ovaal 106">
+            <a:extLst>
+              <a:ext uri="{FF2B5EF4-FFF2-40B4-BE49-F238E27FC236}">
+                <a16:creationId xmlns:a16="http://schemas.microsoft.com/office/drawing/2014/main" id="{D9FE8899-AB63-A64F-A60D-424A78BEA42A}"/>
+              </a:ext>
+            </a:extLst>
+          </p:cNvPr>
+          <p:cNvSpPr/>
+          <p:nvPr/>
+        </p:nvSpPr>
+        <p:spPr>
+          <a:xfrm>
+            <a:off x="7429915" y="1755231"/>
+            <a:ext cx="727710" cy="434974"/>
+          </a:xfrm>
+          <a:prstGeom prst="ellipse">
+            <a:avLst/>
+          </a:prstGeom>
+          <a:solidFill>
+            <a:schemeClr val="tx2">
+              <a:lumMod val="60000"/>
+              <a:lumOff val="40000"/>
+            </a:schemeClr>
+          </a:solidFill>
+        </p:spPr>
+        <p:style>
+          <a:lnRef idx="2">
+            <a:schemeClr val="accent1">
+              <a:shade val="50000"/>
+            </a:schemeClr>
+          </a:lnRef>
+          <a:fillRef idx="1">
+            <a:schemeClr val="accent1"/>
+          </a:fillRef>
+          <a:effectRef idx="0">
+            <a:schemeClr val="accent1"/>
+          </a:effectRef>
+          <a:fontRef idx="minor">
+            <a:schemeClr val="lt1"/>
+          </a:fontRef>
+        </p:style>
+        <p:txBody>
+          <a:bodyPr rtlCol="0" anchor="ctr"/>
+          <a:lstStyle/>
+          <a:p>
+            <a:pPr algn="ctr"/>
+            <a:r>
+              <a:rPr lang="nl-BE" b="1" dirty="0"/>
+              <a:t>C2</a:t>
+            </a:r>
+          </a:p>
+        </p:txBody>
+      </p:sp>
+      <p:sp>
+        <p:nvSpPr>
+          <p:cNvPr id="108" name="Ovaal 107">
+            <a:extLst>
+              <a:ext uri="{FF2B5EF4-FFF2-40B4-BE49-F238E27FC236}">
+                <a16:creationId xmlns:a16="http://schemas.microsoft.com/office/drawing/2014/main" id="{6B0ABA17-E1B6-E447-8A5A-168594DDF396}"/>
+              </a:ext>
+            </a:extLst>
+          </p:cNvPr>
+          <p:cNvSpPr/>
+          <p:nvPr/>
+        </p:nvSpPr>
+        <p:spPr>
+          <a:xfrm>
+            <a:off x="8344315" y="1739991"/>
+            <a:ext cx="727710" cy="434974"/>
+          </a:xfrm>
+          <a:prstGeom prst="ellipse">
+            <a:avLst/>
+          </a:prstGeom>
+          <a:solidFill>
+            <a:schemeClr val="tx2">
+              <a:lumMod val="60000"/>
+              <a:lumOff val="40000"/>
+            </a:schemeClr>
+          </a:solidFill>
+        </p:spPr>
+        <p:style>
+          <a:lnRef idx="2">
+            <a:schemeClr val="accent1">
+              <a:shade val="50000"/>
+            </a:schemeClr>
+          </a:lnRef>
+          <a:fillRef idx="1">
+            <a:schemeClr val="accent1"/>
+          </a:fillRef>
+          <a:effectRef idx="0">
+            <a:schemeClr val="accent1"/>
+          </a:effectRef>
+          <a:fontRef idx="minor">
+            <a:schemeClr val="lt1"/>
+          </a:fontRef>
+        </p:style>
+        <p:txBody>
+          <a:bodyPr rtlCol="0" anchor="ctr"/>
+          <a:lstStyle/>
+          <a:p>
+            <a:pPr algn="ctr"/>
+            <a:r>
+              <a:rPr lang="nl-BE" b="1" dirty="0"/>
+              <a:t>C3</a:t>
+            </a:r>
+          </a:p>
+        </p:txBody>
+      </p:sp>
+      <p:sp>
+        <p:nvSpPr>
+          <p:cNvPr id="109" name="Ovaal 108">
+            <a:extLst>
+              <a:ext uri="{FF2B5EF4-FFF2-40B4-BE49-F238E27FC236}">
+                <a16:creationId xmlns:a16="http://schemas.microsoft.com/office/drawing/2014/main" id="{107C930B-7235-CF45-B826-7DEA1BA9AD77}"/>
+              </a:ext>
+            </a:extLst>
+          </p:cNvPr>
+          <p:cNvSpPr/>
+          <p:nvPr/>
+        </p:nvSpPr>
+        <p:spPr>
+          <a:xfrm>
+            <a:off x="9247140" y="1759476"/>
+            <a:ext cx="727710" cy="434974"/>
+          </a:xfrm>
+          <a:prstGeom prst="ellipse">
+            <a:avLst/>
+          </a:prstGeom>
+          <a:solidFill>
+            <a:schemeClr val="tx2">
+              <a:lumMod val="60000"/>
+              <a:lumOff val="40000"/>
+            </a:schemeClr>
+          </a:solidFill>
+        </p:spPr>
+        <p:style>
+          <a:lnRef idx="2">
+            <a:schemeClr val="accent1">
+              <a:shade val="50000"/>
+            </a:schemeClr>
+          </a:lnRef>
+          <a:fillRef idx="1">
+            <a:schemeClr val="accent1"/>
+          </a:fillRef>
+          <a:effectRef idx="0">
+            <a:schemeClr val="accent1"/>
+          </a:effectRef>
+          <a:fontRef idx="minor">
+            <a:schemeClr val="lt1"/>
+          </a:fontRef>
+        </p:style>
+        <p:txBody>
+          <a:bodyPr rtlCol="0" anchor="ctr"/>
+          <a:lstStyle/>
+          <a:p>
+            <a:pPr algn="ctr"/>
+            <a:r>
+              <a:rPr lang="nl-BE" b="1" dirty="0"/>
+              <a:t>C4</a:t>
+            </a:r>
+          </a:p>
+        </p:txBody>
+      </p:sp>
+      <p:cxnSp>
+        <p:nvCxnSpPr>
+          <p:cNvPr id="110" name="Rechte verbindingslijn 109">
+            <a:extLst>
+              <a:ext uri="{FF2B5EF4-FFF2-40B4-BE49-F238E27FC236}">
+                <a16:creationId xmlns:a16="http://schemas.microsoft.com/office/drawing/2014/main" id="{84546DB4-054F-B640-A929-DA35D4CAE17D}"/>
+              </a:ext>
+            </a:extLst>
+          </p:cNvPr>
+          <p:cNvCxnSpPr>
+            <a:stCxn id="106" idx="6"/>
+            <a:endCxn id="107" idx="2"/>
+          </p:cNvCxnSpPr>
+          <p:nvPr/>
+        </p:nvCxnSpPr>
+        <p:spPr>
+          <a:xfrm flipV="1">
+            <a:off x="7243225" y="1972718"/>
+            <a:ext cx="186690" cy="4607"/>
+          </a:xfrm>
+          <a:prstGeom prst="line">
+            <a:avLst/>
+          </a:prstGeom>
+          <a:ln w="25400">
+            <a:solidFill>
+              <a:schemeClr val="bg1"/>
+            </a:solidFill>
+          </a:ln>
+        </p:spPr>
+        <p:style>
+          <a:lnRef idx="1">
+            <a:schemeClr val="accent1"/>
+          </a:lnRef>
+          <a:fillRef idx="0">
+            <a:schemeClr val="accent1"/>
+          </a:fillRef>
+          <a:effectRef idx="0">
+            <a:schemeClr val="accent1"/>
+          </a:effectRef>
+          <a:fontRef idx="minor">
+            <a:schemeClr val="tx1"/>
+          </a:fontRef>
+        </p:style>
+      </p:cxnSp>
+      <p:cxnSp>
+        <p:nvCxnSpPr>
+          <p:cNvPr id="111" name="Rechte verbindingslijn 110">
+            <a:extLst>
+              <a:ext uri="{FF2B5EF4-FFF2-40B4-BE49-F238E27FC236}">
+                <a16:creationId xmlns:a16="http://schemas.microsoft.com/office/drawing/2014/main" id="{91F37CE7-0AFB-BE4B-A0A3-169916080F59}"/>
+              </a:ext>
+            </a:extLst>
+          </p:cNvPr>
+          <p:cNvCxnSpPr/>
+          <p:nvPr/>
+        </p:nvCxnSpPr>
+        <p:spPr>
+          <a:xfrm flipV="1">
+            <a:off x="8150538" y="1976256"/>
+            <a:ext cx="186690" cy="4607"/>
+          </a:xfrm>
+          <a:prstGeom prst="line">
+            <a:avLst/>
+          </a:prstGeom>
+          <a:ln w="25400">
+            <a:solidFill>
+              <a:schemeClr val="bg1"/>
+            </a:solidFill>
+          </a:ln>
+        </p:spPr>
+        <p:style>
+          <a:lnRef idx="1">
+            <a:schemeClr val="accent1"/>
+          </a:lnRef>
+          <a:fillRef idx="0">
+            <a:schemeClr val="accent1"/>
+          </a:fillRef>
+          <a:effectRef idx="0">
+            <a:schemeClr val="accent1"/>
+          </a:effectRef>
+          <a:fontRef idx="minor">
+            <a:schemeClr val="tx1"/>
+          </a:fontRef>
+        </p:style>
+      </p:cxnSp>
+      <p:cxnSp>
+        <p:nvCxnSpPr>
+          <p:cNvPr id="112" name="Rechte verbindingslijn 111">
+            <a:extLst>
+              <a:ext uri="{FF2B5EF4-FFF2-40B4-BE49-F238E27FC236}">
+                <a16:creationId xmlns:a16="http://schemas.microsoft.com/office/drawing/2014/main" id="{36C4CEDF-9469-A544-9E9F-B3A94BC3A31B}"/>
+              </a:ext>
+            </a:extLst>
+          </p:cNvPr>
+          <p:cNvCxnSpPr/>
+          <p:nvPr/>
+        </p:nvCxnSpPr>
+        <p:spPr>
+          <a:xfrm flipV="1">
+            <a:off x="9057851" y="1979794"/>
+            <a:ext cx="186690" cy="4607"/>
+          </a:xfrm>
+          <a:prstGeom prst="line">
+            <a:avLst/>
+          </a:prstGeom>
+          <a:ln w="25400">
+            <a:solidFill>
+              <a:schemeClr val="bg1"/>
+            </a:solidFill>
+          </a:ln>
+        </p:spPr>
+        <p:style>
+          <a:lnRef idx="1">
+            <a:schemeClr val="accent1"/>
+          </a:lnRef>
+          <a:fillRef idx="0">
+            <a:schemeClr val="accent1"/>
+          </a:fillRef>
+          <a:effectRef idx="0">
+            <a:schemeClr val="accent1"/>
+          </a:effectRef>
+          <a:fontRef idx="minor">
+            <a:schemeClr val="tx1"/>
+          </a:fontRef>
+        </p:style>
+      </p:cxnSp>
+      <p:sp>
+        <p:nvSpPr>
+          <p:cNvPr id="113" name="Tekstvak 112">
+            <a:extLst>
+              <a:ext uri="{FF2B5EF4-FFF2-40B4-BE49-F238E27FC236}">
+                <a16:creationId xmlns:a16="http://schemas.microsoft.com/office/drawing/2014/main" id="{6CE7FA8C-B9C2-8E49-9268-32B9FA20D459}"/>
+              </a:ext>
+            </a:extLst>
+          </p:cNvPr>
+          <p:cNvSpPr txBox="1"/>
+          <p:nvPr/>
+        </p:nvSpPr>
+        <p:spPr>
+          <a:xfrm>
+            <a:off x="11141819" y="2205303"/>
+            <a:ext cx="614271" cy="369332"/>
+          </a:xfrm>
+          <a:prstGeom prst="rect">
+            <a:avLst/>
+          </a:prstGeom>
+          <a:noFill/>
+        </p:spPr>
+        <p:txBody>
+          <a:bodyPr wrap="none" rtlCol="0">
+            <a:spAutoFit/>
+          </a:bodyPr>
+          <a:lstStyle/>
+          <a:p>
+            <a:r>
+              <a:rPr lang="nl-BE" b="1" dirty="0">
+                <a:solidFill>
+                  <a:schemeClr val="bg1"/>
+                </a:solidFill>
+              </a:rPr>
+              <a:t>dev</a:t>
+            </a:r>
+          </a:p>
+        </p:txBody>
+      </p:sp>
+      <p:sp>
+        <p:nvSpPr>
+          <p:cNvPr id="114" name="Ovaal 113">
+            <a:extLst>
+              <a:ext uri="{FF2B5EF4-FFF2-40B4-BE49-F238E27FC236}">
+                <a16:creationId xmlns:a16="http://schemas.microsoft.com/office/drawing/2014/main" id="{23718C50-8104-224F-9D98-7B8ADF63D46C}"/>
+              </a:ext>
+            </a:extLst>
+          </p:cNvPr>
+          <p:cNvSpPr/>
+          <p:nvPr/>
+        </p:nvSpPr>
+        <p:spPr>
+          <a:xfrm>
+            <a:off x="10216100" y="1755484"/>
+            <a:ext cx="727710" cy="434974"/>
+          </a:xfrm>
+          <a:prstGeom prst="ellipse">
+            <a:avLst/>
+          </a:prstGeom>
+          <a:solidFill>
+            <a:schemeClr val="tx2">
+              <a:lumMod val="60000"/>
+              <a:lumOff val="40000"/>
+            </a:schemeClr>
+          </a:solidFill>
+        </p:spPr>
+        <p:style>
+          <a:lnRef idx="2">
+            <a:schemeClr val="accent1">
+              <a:shade val="50000"/>
+            </a:schemeClr>
+          </a:lnRef>
+          <a:fillRef idx="1">
+            <a:schemeClr val="accent1"/>
+          </a:fillRef>
+          <a:effectRef idx="0">
+            <a:schemeClr val="accent1"/>
+          </a:effectRef>
+          <a:fontRef idx="minor">
+            <a:schemeClr val="lt1"/>
+          </a:fontRef>
+        </p:style>
+        <p:txBody>
+          <a:bodyPr rtlCol="0" anchor="ctr"/>
+          <a:lstStyle/>
+          <a:p>
+            <a:pPr algn="ctr"/>
+            <a:r>
+              <a:rPr lang="nl-BE" b="1" dirty="0"/>
+              <a:t>C5</a:t>
+            </a:r>
+          </a:p>
+        </p:txBody>
+      </p:sp>
+      <p:sp>
+        <p:nvSpPr>
+          <p:cNvPr id="115" name="Ovaal 114">
+            <a:extLst>
+              <a:ext uri="{FF2B5EF4-FFF2-40B4-BE49-F238E27FC236}">
+                <a16:creationId xmlns:a16="http://schemas.microsoft.com/office/drawing/2014/main" id="{EE071E5E-626C-4C4F-AD5D-67A5B652FD16}"/>
+              </a:ext>
+            </a:extLst>
+          </p:cNvPr>
+          <p:cNvSpPr/>
+          <p:nvPr/>
+        </p:nvSpPr>
+        <p:spPr>
+          <a:xfrm>
+            <a:off x="11130355" y="1774969"/>
+            <a:ext cx="727710" cy="434974"/>
+          </a:xfrm>
+          <a:prstGeom prst="ellipse">
+            <a:avLst/>
+          </a:prstGeom>
+          <a:solidFill>
+            <a:schemeClr val="tx2">
+              <a:lumMod val="60000"/>
+              <a:lumOff val="40000"/>
+            </a:schemeClr>
+          </a:solidFill>
+        </p:spPr>
+        <p:style>
+          <a:lnRef idx="2">
+            <a:schemeClr val="accent1">
+              <a:shade val="50000"/>
+            </a:schemeClr>
+          </a:lnRef>
+          <a:fillRef idx="1">
+            <a:schemeClr val="accent1"/>
+          </a:fillRef>
+          <a:effectRef idx="0">
+            <a:schemeClr val="accent1"/>
+          </a:effectRef>
+          <a:fontRef idx="minor">
+            <a:schemeClr val="lt1"/>
+          </a:fontRef>
+        </p:style>
+        <p:txBody>
+          <a:bodyPr rtlCol="0" anchor="ctr"/>
+          <a:lstStyle/>
+          <a:p>
+            <a:pPr algn="ctr"/>
+            <a:r>
+              <a:rPr lang="nl-BE" b="1" dirty="0"/>
+              <a:t>C6</a:t>
+            </a:r>
+          </a:p>
+        </p:txBody>
+      </p:sp>
+      <p:cxnSp>
+        <p:nvCxnSpPr>
+          <p:cNvPr id="116" name="Rechte verbindingslijn 115">
+            <a:extLst>
+              <a:ext uri="{FF2B5EF4-FFF2-40B4-BE49-F238E27FC236}">
+                <a16:creationId xmlns:a16="http://schemas.microsoft.com/office/drawing/2014/main" id="{0702D9C7-85CD-FD4E-A286-4CFDAFA5EB6B}"/>
+              </a:ext>
+            </a:extLst>
+          </p:cNvPr>
+          <p:cNvCxnSpPr>
+            <a:cxnSpLocks/>
+            <a:stCxn id="109" idx="6"/>
+            <a:endCxn id="114" idx="2"/>
+          </p:cNvCxnSpPr>
+          <p:nvPr/>
+        </p:nvCxnSpPr>
+        <p:spPr>
+          <a:xfrm flipV="1">
+            <a:off x="9974850" y="1972971"/>
+            <a:ext cx="241250" cy="3992"/>
+          </a:xfrm>
+          <a:prstGeom prst="line">
+            <a:avLst/>
+          </a:prstGeom>
+          <a:ln w="25400">
+            <a:solidFill>
+              <a:schemeClr val="bg1"/>
+            </a:solidFill>
+          </a:ln>
+        </p:spPr>
+        <p:style>
+          <a:lnRef idx="1">
+            <a:schemeClr val="accent1"/>
+          </a:lnRef>
+          <a:fillRef idx="0">
+            <a:schemeClr val="accent1"/>
+          </a:fillRef>
+          <a:effectRef idx="0">
+            <a:schemeClr val="accent1"/>
+          </a:effectRef>
+          <a:fontRef idx="minor">
+            <a:schemeClr val="tx1"/>
+          </a:fontRef>
+        </p:style>
+      </p:cxnSp>
+      <p:cxnSp>
+        <p:nvCxnSpPr>
+          <p:cNvPr id="117" name="Rechte verbindingslijn 116">
+            <a:extLst>
+              <a:ext uri="{FF2B5EF4-FFF2-40B4-BE49-F238E27FC236}">
+                <a16:creationId xmlns:a16="http://schemas.microsoft.com/office/drawing/2014/main" id="{82C0167E-E6AD-384E-AEAB-B1BDA5919371}"/>
+              </a:ext>
+            </a:extLst>
+          </p:cNvPr>
+          <p:cNvCxnSpPr/>
+          <p:nvPr/>
+        </p:nvCxnSpPr>
+        <p:spPr>
+          <a:xfrm flipV="1">
+            <a:off x="10941066" y="1995287"/>
+            <a:ext cx="186690" cy="4607"/>
+          </a:xfrm>
+          <a:prstGeom prst="line">
+            <a:avLst/>
+          </a:prstGeom>
+          <a:ln w="25400">
+            <a:solidFill>
+              <a:schemeClr val="bg1"/>
+            </a:solidFill>
+          </a:ln>
+        </p:spPr>
+        <p:style>
+          <a:lnRef idx="1">
+            <a:schemeClr val="accent1"/>
+          </a:lnRef>
+          <a:fillRef idx="0">
+            <a:schemeClr val="accent1"/>
+          </a:fillRef>
+          <a:effectRef idx="0">
+            <a:schemeClr val="accent1"/>
+          </a:effectRef>
+          <a:fontRef idx="minor">
+            <a:schemeClr val="tx1"/>
+          </a:fontRef>
+        </p:style>
+      </p:cxnSp>
+      <p:sp>
+        <p:nvSpPr>
+          <p:cNvPr id="118" name="Tekstvak 117">
+            <a:extLst>
+              <a:ext uri="{FF2B5EF4-FFF2-40B4-BE49-F238E27FC236}">
+                <a16:creationId xmlns:a16="http://schemas.microsoft.com/office/drawing/2014/main" id="{4954F98F-5329-AB4A-8331-FFCF7D97F793}"/>
+              </a:ext>
+            </a:extLst>
+          </p:cNvPr>
+          <p:cNvSpPr txBox="1"/>
+          <p:nvPr/>
+        </p:nvSpPr>
+        <p:spPr>
+          <a:xfrm>
+            <a:off x="11021163" y="1365274"/>
+            <a:ext cx="946093" cy="369332"/>
+          </a:xfrm>
+          <a:prstGeom prst="rect">
+            <a:avLst/>
+          </a:prstGeom>
+          <a:noFill/>
+        </p:spPr>
+        <p:txBody>
+          <a:bodyPr wrap="none" rtlCol="0">
+            <a:spAutoFit/>
+          </a:bodyPr>
+          <a:lstStyle/>
+          <a:p>
+            <a:r>
+              <a:rPr lang="nl-BE" b="1" dirty="0">
+                <a:solidFill>
+                  <a:schemeClr val="bg1"/>
+                </a:solidFill>
+              </a:rPr>
+              <a:t>master</a:t>
+            </a:r>
+          </a:p>
+        </p:txBody>
+      </p:sp>
+      <p:sp>
+        <p:nvSpPr>
+          <p:cNvPr id="119" name="Titel 1">
+            <a:extLst>
+              <a:ext uri="{FF2B5EF4-FFF2-40B4-BE49-F238E27FC236}">
+                <a16:creationId xmlns:a16="http://schemas.microsoft.com/office/drawing/2014/main" id="{864DD505-772F-E74B-A9F3-084AFDE794F1}"/>
+              </a:ext>
+            </a:extLst>
+          </p:cNvPr>
+          <p:cNvSpPr txBox="1">
+            <a:spLocks/>
+          </p:cNvSpPr>
+          <p:nvPr/>
+        </p:nvSpPr>
+        <p:spPr>
+          <a:xfrm>
+            <a:off x="5911941" y="1233869"/>
+            <a:ext cx="2524054" cy="434974"/>
+          </a:xfrm>
+          <a:prstGeom prst="rect">
+            <a:avLst/>
+          </a:prstGeom>
+          <a:effectLst>
+            <a:outerShdw blurRad="50800" dir="14400000">
+              <a:srgbClr val="000000">
+                <a:alpha val="60000"/>
+              </a:srgbClr>
+            </a:outerShdw>
+          </a:effectLst>
+        </p:spPr>
+        <p:txBody>
+          <a:bodyPr vert="horz" lIns="91440" tIns="45720" rIns="91440" bIns="45720" rtlCol="0" anchor="b">
+            <a:noAutofit/>
+          </a:bodyPr>
+          <a:lstStyle>
+            <a:lvl1pPr algn="l" defTabSz="457200" rtl="0" eaLnBrk="1" latinLnBrk="0" hangingPunct="1">
+              <a:spcBef>
+                <a:spcPct val="0"/>
+              </a:spcBef>
+              <a:buNone/>
+              <a:defRPr sz="5400" b="1" kern="1200">
+                <a:solidFill>
+                  <a:srgbClr val="FEFEFE"/>
+                </a:solidFill>
+                <a:latin typeface="+mj-lt"/>
+                <a:ea typeface="+mj-ea"/>
+                <a:cs typeface="+mj-cs"/>
+              </a:defRPr>
+            </a:lvl1pPr>
+            <a:lvl2pPr eaLnBrk="1" hangingPunct="1">
+              <a:defRPr>
+                <a:solidFill>
+                  <a:schemeClr val="tx2"/>
+                </a:solidFill>
+              </a:defRPr>
+            </a:lvl2pPr>
+            <a:lvl3pPr eaLnBrk="1" hangingPunct="1">
+              <a:defRPr>
+                <a:solidFill>
+                  <a:schemeClr val="tx2"/>
+                </a:solidFill>
+              </a:defRPr>
+            </a:lvl3pPr>
+            <a:lvl4pPr eaLnBrk="1" hangingPunct="1">
+              <a:defRPr>
+                <a:solidFill>
+                  <a:schemeClr val="tx2"/>
+                </a:solidFill>
+              </a:defRPr>
+            </a:lvl4pPr>
+            <a:lvl5pPr eaLnBrk="1" hangingPunct="1">
+              <a:defRPr>
+                <a:solidFill>
+                  <a:schemeClr val="tx2"/>
+                </a:solidFill>
+              </a:defRPr>
+            </a:lvl5pPr>
+            <a:lvl6pPr eaLnBrk="1" hangingPunct="1">
+              <a:defRPr>
+                <a:solidFill>
+                  <a:schemeClr val="tx2"/>
+                </a:solidFill>
+              </a:defRPr>
+            </a:lvl6pPr>
+            <a:lvl7pPr eaLnBrk="1" hangingPunct="1">
+              <a:defRPr>
+                <a:solidFill>
+                  <a:schemeClr val="tx2"/>
+                </a:solidFill>
+              </a:defRPr>
+            </a:lvl7pPr>
+            <a:lvl8pPr eaLnBrk="1" hangingPunct="1">
+              <a:defRPr>
+                <a:solidFill>
+                  <a:schemeClr val="tx2"/>
+                </a:solidFill>
+              </a:defRPr>
+            </a:lvl8pPr>
+            <a:lvl9pPr eaLnBrk="1" hangingPunct="1">
+              <a:defRPr>
+                <a:solidFill>
+                  <a:schemeClr val="tx2"/>
+                </a:solidFill>
+              </a:defRPr>
+            </a:lvl9pPr>
+          </a:lstStyle>
+          <a:p>
+            <a:pPr marL="285750" indent="-285750">
+              <a:buFontTx/>
+              <a:buChar char="-"/>
+            </a:pPr>
+            <a:r>
+              <a:rPr lang="nl-BE" sz="1400" dirty="0"/>
+              <a:t>git checkout master</a:t>
+            </a:r>
+          </a:p>
+          <a:p>
+            <a:pPr marL="285750" indent="-285750">
+              <a:buFontTx/>
+              <a:buChar char="-"/>
+            </a:pPr>
+            <a:r>
+              <a:rPr lang="nl-BE" sz="1400" dirty="0"/>
+              <a:t>git merge dev</a:t>
+            </a:r>
+          </a:p>
+        </p:txBody>
+      </p:sp>
+    </p:spTree>
+    <p:extLst>
+      <p:ext uri="{BB962C8B-B14F-4D97-AF65-F5344CB8AC3E}">
+        <p14:creationId xmlns:p14="http://schemas.microsoft.com/office/powerpoint/2010/main" val="1343930141"/>
+      </p:ext>
+    </p:extLst>
+  </p:cSld>
+  <p:clrMapOvr>
+    <a:masterClrMapping/>
+  </p:clrMapOvr>
+</p:sld>
+</file>
+
 <file path=ppt/slides/slide2.xml><?xml version="1.0" encoding="utf-8"?>
 <p:sld xmlns:a="http://schemas.openxmlformats.org/drawingml/2006/main" xmlns:r="http://schemas.openxmlformats.org/officeDocument/2006/relationships" xmlns:p="http://schemas.openxmlformats.org/presentationml/2006/main">
   <p:cSld>

--- a/doc/git.pptx
+++ b/doc/git.pptx
@@ -19779,40 +19779,6 @@
           </a:fontRef>
         </p:style>
       </p:cxnSp>
-      <p:sp>
-        <p:nvSpPr>
-          <p:cNvPr id="9" name="Rechthoek 8">
-            <a:extLst>
-              <a:ext uri="{FF2B5EF4-FFF2-40B4-BE49-F238E27FC236}">
-                <a16:creationId xmlns:a16="http://schemas.microsoft.com/office/drawing/2014/main" id="{FF13653D-4801-DB41-839E-43DEE9FBB838}"/>
-              </a:ext>
-            </a:extLst>
-          </p:cNvPr>
-          <p:cNvSpPr/>
-          <p:nvPr/>
-        </p:nvSpPr>
-        <p:spPr>
-          <a:xfrm>
-            <a:off x="3048000" y="3105835"/>
-            <a:ext cx="6096000" cy="646331"/>
-          </a:xfrm>
-          <a:prstGeom prst="rect">
-            <a:avLst/>
-          </a:prstGeom>
-        </p:spPr>
-        <p:txBody>
-          <a:bodyPr>
-            <a:spAutoFit/>
-          </a:bodyPr>
-          <a:lstStyle/>
-          <a:p>
-            <a:r>
-              <a:rPr lang="nl-BE" dirty="0"/>
-              <a:t>&lt;img src="images/git_dir_1commit.png" width = "600px"&gt;</a:t>
-            </a:r>
-          </a:p>
-        </p:txBody>
-      </p:sp>
     </p:spTree>
     <p:extLst>
       <p:ext uri="{BB962C8B-B14F-4D97-AF65-F5344CB8AC3E}">

--- a/doc/git.pptx
+++ b/doc/git.pptx
@@ -25,6 +25,7 @@
     <p:sldId id="263" r:id="rId19"/>
     <p:sldId id="274" r:id="rId20"/>
     <p:sldId id="275" r:id="rId21"/>
+    <p:sldId id="278" r:id="rId22"/>
   </p:sldIdLst>
   <p:sldSz cx="12192000" cy="6858000"/>
   <p:notesSz cx="6858000" cy="9144000"/>
@@ -226,7 +227,7 @@
           <a:effectLst/>
           <a:extLst>
             <a:ext uri="{91240B29-F687-4f45-9708-019B960494DF}">
-              <a14:hiddenLine xmlns="" xmlns:a14="http://schemas.microsoft.com/office/drawing/2010/main" w="9525">
+              <a14:hiddenLine xmlns:a14="http://schemas.microsoft.com/office/drawing/2010/main" xmlns="" w="9525">
                 <a:solidFill>
                   <a:srgbClr val="000000"/>
                 </a:solidFill>
@@ -419,7 +420,7 @@
             <a:fld id="{08B9EBBA-996F-894A-B54A-D6246ED52CEA}" type="datetimeFigureOut">
               <a:rPr lang="en-US" dirty="0"/>
               <a:pPr/>
-              <a:t>2/7/19</a:t>
+              <a:t>2/18/19</a:t>
             </a:fld>
             <a:endParaRPr lang="en-US" dirty="0"/>
           </a:p>
@@ -739,7 +740,7 @@
             <a:fld id="{18C79C5D-2A6F-F04D-97DA-BEF2467B64E4}" type="datetimeFigureOut">
               <a:rPr lang="en-US" dirty="0"/>
               <a:pPr/>
-              <a:t>2/7/19</a:t>
+              <a:t>2/18/19</a:t>
             </a:fld>
             <a:endParaRPr lang="en-US" dirty="0"/>
           </a:p>
@@ -1234,7 +1235,7 @@
             <a:fld id="{8DFA1846-DA80-1C48-A609-854EA85C59AD}" type="datetimeFigureOut">
               <a:rPr lang="en-US" dirty="0"/>
               <a:pPr/>
-              <a:t>2/7/19</a:t>
+              <a:t>2/18/19</a:t>
             </a:fld>
             <a:endParaRPr lang="en-US" dirty="0"/>
           </a:p>
@@ -1605,7 +1606,7 @@
             <a:fld id="{FBF54567-0DE4-3F47-BF90-CB84690072F9}" type="datetimeFigureOut">
               <a:rPr lang="en-US" dirty="0"/>
               <a:pPr/>
-              <a:t>2/7/19</a:t>
+              <a:t>2/18/19</a:t>
             </a:fld>
             <a:endParaRPr lang="en-US" dirty="0"/>
           </a:p>
@@ -1756,7 +1757,7 @@
           <a:ln/>
           <a:extLst>
             <a:ext uri="{91240B29-F687-4f45-9708-019B960494DF}">
-              <a14:hiddenLine xmlns="" xmlns:a14="http://schemas.microsoft.com/office/drawing/2010/main" w="9525">
+              <a14:hiddenLine xmlns:a14="http://schemas.microsoft.com/office/drawing/2010/main" xmlns="" w="9525">
                 <a:solidFill>
                   <a:srgbClr val="000000"/>
                 </a:solidFill>
@@ -1851,7 +1852,7 @@
             <a:fld id="{C6C52C72-DE31-F449-A4ED-4C594FD91407}" type="datetimeFigureOut">
               <a:rPr lang="en-US" dirty="0"/>
               <a:pPr/>
-              <a:t>2/7/19</a:t>
+              <a:t>2/18/19</a:t>
             </a:fld>
             <a:endParaRPr lang="en-US" dirty="0"/>
           </a:p>
@@ -2004,7 +2005,7 @@
           <a:ln/>
           <a:extLst>
             <a:ext uri="{91240B29-F687-4f45-9708-019B960494DF}">
-              <a14:hiddenLine xmlns="" xmlns:a14="http://schemas.microsoft.com/office/drawing/2010/main" w="9525">
+              <a14:hiddenLine xmlns:a14="http://schemas.microsoft.com/office/drawing/2010/main" xmlns="" w="9525">
                 <a:solidFill>
                   <a:srgbClr val="000000"/>
                 </a:solidFill>
@@ -2109,7 +2110,7 @@
             <a:fld id="{ED62726E-379B-B349-9EED-81ED093FA806}" type="datetimeFigureOut">
               <a:rPr lang="en-US" dirty="0"/>
               <a:pPr/>
-              <a:t>2/7/19</a:t>
+              <a:t>2/18/19</a:t>
             </a:fld>
             <a:endParaRPr lang="en-US" dirty="0"/>
           </a:p>
@@ -2260,7 +2261,7 @@
           <a:ln/>
           <a:extLst>
             <a:ext uri="{91240B29-F687-4f45-9708-019B960494DF}">
-              <a14:hiddenLine xmlns="" xmlns:a14="http://schemas.microsoft.com/office/drawing/2010/main" w="9525">
+              <a14:hiddenLine xmlns:a14="http://schemas.microsoft.com/office/drawing/2010/main" xmlns="" w="9525">
                 <a:solidFill>
                   <a:srgbClr val="000000"/>
                 </a:solidFill>
@@ -2365,7 +2366,7 @@
             <a:fld id="{9B3A1323-8D79-1946-B0D7-40001CF92E9D}" type="datetimeFigureOut">
               <a:rPr lang="en-US" dirty="0"/>
               <a:pPr/>
-              <a:t>2/7/19</a:t>
+              <a:t>2/18/19</a:t>
             </a:fld>
             <a:endParaRPr lang="en-US" dirty="0"/>
           </a:p>
@@ -2710,7 +2711,7 @@
             <a:fld id="{8DFA1846-DA80-1C48-A609-854EA85C59AD}" type="datetimeFigureOut">
               <a:rPr lang="en-US" dirty="0"/>
               <a:pPr/>
-              <a:t>2/7/19</a:t>
+              <a:t>2/18/19</a:t>
             </a:fld>
             <a:endParaRPr lang="en-US" dirty="0"/>
           </a:p>
@@ -2861,7 +2862,7 @@
           <a:ln/>
           <a:extLst>
             <a:ext uri="{91240B29-F687-4f45-9708-019B960494DF}">
-              <a14:hiddenLine xmlns="" xmlns:a14="http://schemas.microsoft.com/office/drawing/2010/main" w="9525">
+              <a14:hiddenLine xmlns:a14="http://schemas.microsoft.com/office/drawing/2010/main" xmlns="" w="9525">
                 <a:solidFill>
                   <a:srgbClr val="000000"/>
                 </a:solidFill>
@@ -2998,7 +2999,7 @@
             <a:fld id="{57302355-E14B-8545-A8F8-0FE83CC9D524}" type="datetimeFigureOut">
               <a:rPr lang="en-US" dirty="0"/>
               <a:pPr/>
-              <a:t>2/7/19</a:t>
+              <a:t>2/18/19</a:t>
             </a:fld>
             <a:endParaRPr lang="en-US" dirty="0"/>
           </a:p>
@@ -3149,7 +3150,7 @@
           <a:ln/>
           <a:extLst>
             <a:ext uri="{91240B29-F687-4f45-9708-019B960494DF}">
-              <a14:hiddenLine xmlns="" xmlns:a14="http://schemas.microsoft.com/office/drawing/2010/main" w="9525">
+              <a14:hiddenLine xmlns:a14="http://schemas.microsoft.com/office/drawing/2010/main" xmlns="" w="9525">
                 <a:solidFill>
                   <a:srgbClr val="000000"/>
                 </a:solidFill>
@@ -3434,7 +3435,7 @@
             <a:fld id="{02640F58-564D-2B4F-AE67-E407BA4FCF45}" type="datetimeFigureOut">
               <a:rPr lang="en-US" dirty="0"/>
               <a:pPr/>
-              <a:t>2/7/19</a:t>
+              <a:t>2/18/19</a:t>
             </a:fld>
             <a:endParaRPr lang="en-US" dirty="0"/>
           </a:p>
@@ -3585,7 +3586,7 @@
           <a:ln/>
           <a:extLst>
             <a:ext uri="{91240B29-F687-4f45-9708-019B960494DF}">
-              <a14:hiddenLine xmlns="" xmlns:a14="http://schemas.microsoft.com/office/drawing/2010/main" w="9525">
+              <a14:hiddenLine xmlns:a14="http://schemas.microsoft.com/office/drawing/2010/main" xmlns="" w="9525">
                 <a:solidFill>
                   <a:srgbClr val="000000"/>
                 </a:solidFill>
@@ -3652,7 +3653,7 @@
             <a:fld id="{F13A34C8-038E-2045-AF43-DF7DBB8E0E9E}" type="datetimeFigureOut">
               <a:rPr lang="en-US" dirty="0"/>
               <a:pPr/>
-              <a:t>2/7/19</a:t>
+              <a:t>2/18/19</a:t>
             </a:fld>
             <a:endParaRPr lang="en-US" dirty="0"/>
           </a:p>
@@ -3744,7 +3745,7 @@
             <a:fld id="{8818C68F-D26B-8F47-958C-23B49CF8A634}" type="datetimeFigureOut">
               <a:rPr lang="en-US" dirty="0"/>
               <a:pPr/>
-              <a:t>2/7/19</a:t>
+              <a:t>2/18/19</a:t>
             </a:fld>
             <a:endParaRPr lang="en-US" dirty="0"/>
           </a:p>
@@ -4008,7 +4009,7 @@
           <a:ln/>
           <a:extLst>
             <a:ext uri="{91240B29-F687-4f45-9708-019B960494DF}">
-              <a14:hiddenLine xmlns="" xmlns:a14="http://schemas.microsoft.com/office/drawing/2010/main" w="9525">
+              <a14:hiddenLine xmlns:a14="http://schemas.microsoft.com/office/drawing/2010/main" xmlns="" w="9525">
                 <a:solidFill>
                   <a:srgbClr val="000000"/>
                 </a:solidFill>
@@ -4189,7 +4190,7 @@
             <a:fld id="{D0DF5E60-9974-AC48-9591-99C2BB44B7CF}" type="datetimeFigureOut">
               <a:rPr lang="en-US" dirty="0"/>
               <a:pPr/>
-              <a:t>2/7/19</a:t>
+              <a:t>2/18/19</a:t>
             </a:fld>
             <a:endParaRPr lang="en-US" dirty="0"/>
           </a:p>
@@ -4504,7 +4505,7 @@
             <a:fld id="{18C79C5D-2A6F-F04D-97DA-BEF2467B64E4}" type="datetimeFigureOut">
               <a:rPr lang="en-US" dirty="0"/>
               <a:pPr/>
-              <a:t>2/7/19</a:t>
+              <a:t>2/18/19</a:t>
             </a:fld>
             <a:endParaRPr lang="en-US" dirty="0"/>
           </a:p>
@@ -4747,7 +4748,7 @@
             <a:fld id="{09B482E8-6E0E-1B4F-B1FD-C69DB9E858D9}" type="datetimeFigureOut">
               <a:rPr lang="en-US" dirty="0"/>
               <a:pPr/>
-              <a:t>2/7/19</a:t>
+              <a:t>2/18/19</a:t>
             </a:fld>
             <a:endParaRPr lang="en-US" dirty="0"/>
           </a:p>
@@ -17267,6 +17268,1188 @@
 </p:sld>
 </file>
 
+<file path=ppt/slides/slide21.xml><?xml version="1.0" encoding="utf-8"?>
+<p:sld xmlns:a="http://schemas.openxmlformats.org/drawingml/2006/main" xmlns:r="http://schemas.openxmlformats.org/officeDocument/2006/relationships" xmlns:p="http://schemas.openxmlformats.org/presentationml/2006/main">
+  <p:cSld>
+    <p:spTree>
+      <p:nvGrpSpPr>
+        <p:cNvPr id="1" name=""/>
+        <p:cNvGrpSpPr/>
+        <p:nvPr/>
+      </p:nvGrpSpPr>
+      <p:grpSpPr>
+        <a:xfrm>
+          <a:off x="0" y="0"/>
+          <a:ext cx="0" cy="0"/>
+          <a:chOff x="0" y="0"/>
+          <a:chExt cx="0" cy="0"/>
+        </a:xfrm>
+      </p:grpSpPr>
+      <p:sp>
+        <p:nvSpPr>
+          <p:cNvPr id="3" name="Ondertitel 2">
+            <a:extLst>
+              <a:ext uri="{FF2B5EF4-FFF2-40B4-BE49-F238E27FC236}">
+                <a16:creationId xmlns:a16="http://schemas.microsoft.com/office/drawing/2014/main" id="{8E7C9668-A763-1547-AFF8-037400D2150A}"/>
+              </a:ext>
+            </a:extLst>
+          </p:cNvPr>
+          <p:cNvSpPr>
+            <a:spLocks noGrp="1"/>
+          </p:cNvSpPr>
+          <p:nvPr>
+            <p:ph type="subTitle" idx="1"/>
+          </p:nvPr>
+        </p:nvSpPr>
+        <p:spPr/>
+        <p:txBody>
+          <a:bodyPr/>
+          <a:lstStyle/>
+          <a:p>
+            <a:endParaRPr lang="nl-BE"/>
+          </a:p>
+        </p:txBody>
+      </p:sp>
+      <p:sp>
+        <p:nvSpPr>
+          <p:cNvPr id="9" name="Rechthoek 8">
+            <a:extLst>
+              <a:ext uri="{FF2B5EF4-FFF2-40B4-BE49-F238E27FC236}">
+                <a16:creationId xmlns:a16="http://schemas.microsoft.com/office/drawing/2014/main" id="{D45FD0BF-F673-AC48-91CA-74609CE59014}"/>
+              </a:ext>
+            </a:extLst>
+          </p:cNvPr>
+          <p:cNvSpPr/>
+          <p:nvPr/>
+        </p:nvSpPr>
+        <p:spPr>
+          <a:xfrm>
+            <a:off x="1828800" y="1360170"/>
+            <a:ext cx="2343150" cy="2343150"/>
+          </a:xfrm>
+          <a:prstGeom prst="rect">
+            <a:avLst/>
+          </a:prstGeom>
+          <a:solidFill>
+            <a:schemeClr val="tx1"/>
+          </a:solidFill>
+          <a:ln>
+            <a:noFill/>
+          </a:ln>
+        </p:spPr>
+        <p:style>
+          <a:lnRef idx="2">
+            <a:schemeClr val="accent1">
+              <a:shade val="50000"/>
+            </a:schemeClr>
+          </a:lnRef>
+          <a:fillRef idx="1">
+            <a:schemeClr val="accent1"/>
+          </a:fillRef>
+          <a:effectRef idx="0">
+            <a:schemeClr val="accent1"/>
+          </a:effectRef>
+          <a:fontRef idx="minor">
+            <a:schemeClr val="lt1"/>
+          </a:fontRef>
+        </p:style>
+        <p:txBody>
+          <a:bodyPr rtlCol="0" anchor="ctr"/>
+          <a:lstStyle/>
+          <a:p>
+            <a:pPr algn="ctr"/>
+            <a:endParaRPr lang="nl-BE"/>
+          </a:p>
+        </p:txBody>
+      </p:sp>
+      <p:sp>
+        <p:nvSpPr>
+          <p:cNvPr id="7" name="Ovaal 6">
+            <a:extLst>
+              <a:ext uri="{FF2B5EF4-FFF2-40B4-BE49-F238E27FC236}">
+                <a16:creationId xmlns:a16="http://schemas.microsoft.com/office/drawing/2014/main" id="{02D95D17-998C-6243-BECA-2C63949B8A98}"/>
+              </a:ext>
+            </a:extLst>
+          </p:cNvPr>
+          <p:cNvSpPr/>
+          <p:nvPr/>
+        </p:nvSpPr>
+        <p:spPr>
+          <a:xfrm>
+            <a:off x="1987550" y="1531620"/>
+            <a:ext cx="2000250" cy="2000250"/>
+          </a:xfrm>
+          <a:prstGeom prst="ellipse">
+            <a:avLst/>
+          </a:prstGeom>
+          <a:noFill/>
+          <a:ln w="57150">
+            <a:solidFill>
+              <a:schemeClr val="accent1">
+                <a:lumMod val="50000"/>
+              </a:schemeClr>
+            </a:solidFill>
+          </a:ln>
+        </p:spPr>
+        <p:style>
+          <a:lnRef idx="2">
+            <a:schemeClr val="accent1">
+              <a:shade val="50000"/>
+            </a:schemeClr>
+          </a:lnRef>
+          <a:fillRef idx="1">
+            <a:schemeClr val="accent1"/>
+          </a:fillRef>
+          <a:effectRef idx="0">
+            <a:schemeClr val="accent1"/>
+          </a:effectRef>
+          <a:fontRef idx="minor">
+            <a:schemeClr val="lt1"/>
+          </a:fontRef>
+        </p:style>
+        <p:txBody>
+          <a:bodyPr rtlCol="0" anchor="ctr"/>
+          <a:lstStyle/>
+          <a:p>
+            <a:pPr algn="ctr"/>
+            <a:endParaRPr lang="nl-BE" dirty="0"/>
+          </a:p>
+        </p:txBody>
+      </p:sp>
+      <p:sp>
+        <p:nvSpPr>
+          <p:cNvPr id="8" name="Ovaal 7">
+            <a:extLst>
+              <a:ext uri="{FF2B5EF4-FFF2-40B4-BE49-F238E27FC236}">
+                <a16:creationId xmlns:a16="http://schemas.microsoft.com/office/drawing/2014/main" id="{7D159550-A2A8-4F40-822B-7FBE94AD1409}"/>
+              </a:ext>
+            </a:extLst>
+          </p:cNvPr>
+          <p:cNvSpPr/>
+          <p:nvPr/>
+        </p:nvSpPr>
+        <p:spPr>
+          <a:xfrm>
+            <a:off x="2098040" y="1645920"/>
+            <a:ext cx="1771650" cy="1771650"/>
+          </a:xfrm>
+          <a:prstGeom prst="ellipse">
+            <a:avLst/>
+          </a:prstGeom>
+          <a:solidFill>
+            <a:schemeClr val="accent1"/>
+          </a:solidFill>
+          <a:ln w="57150">
+            <a:solidFill>
+              <a:schemeClr val="accent1"/>
+            </a:solidFill>
+          </a:ln>
+        </p:spPr>
+        <p:style>
+          <a:lnRef idx="2">
+            <a:schemeClr val="accent1">
+              <a:shade val="50000"/>
+            </a:schemeClr>
+          </a:lnRef>
+          <a:fillRef idx="1">
+            <a:schemeClr val="accent1"/>
+          </a:fillRef>
+          <a:effectRef idx="0">
+            <a:schemeClr val="accent1"/>
+          </a:effectRef>
+          <a:fontRef idx="minor">
+            <a:schemeClr val="lt1"/>
+          </a:fontRef>
+        </p:style>
+        <p:txBody>
+          <a:bodyPr rtlCol="0" anchor="ctr"/>
+          <a:lstStyle/>
+          <a:p>
+            <a:pPr algn="ctr"/>
+            <a:endParaRPr lang="nl-BE"/>
+          </a:p>
+        </p:txBody>
+      </p:sp>
+      <p:sp>
+        <p:nvSpPr>
+          <p:cNvPr id="11" name="Ovaal 10">
+            <a:extLst>
+              <a:ext uri="{FF2B5EF4-FFF2-40B4-BE49-F238E27FC236}">
+                <a16:creationId xmlns:a16="http://schemas.microsoft.com/office/drawing/2014/main" id="{E651C4DF-5436-4749-B7EC-BBCE1EA35C7A}"/>
+              </a:ext>
+            </a:extLst>
+          </p:cNvPr>
+          <p:cNvSpPr/>
+          <p:nvPr/>
+        </p:nvSpPr>
+        <p:spPr>
+          <a:xfrm>
+            <a:off x="2997518" y="1783080"/>
+            <a:ext cx="217170" cy="217170"/>
+          </a:xfrm>
+          <a:prstGeom prst="ellipse">
+            <a:avLst/>
+          </a:prstGeom>
+          <a:solidFill>
+            <a:schemeClr val="accent1">
+              <a:lumMod val="50000"/>
+            </a:schemeClr>
+          </a:solidFill>
+          <a:ln>
+            <a:solidFill>
+              <a:schemeClr val="accent1">
+                <a:lumMod val="50000"/>
+              </a:schemeClr>
+            </a:solidFill>
+          </a:ln>
+        </p:spPr>
+        <p:style>
+          <a:lnRef idx="2">
+            <a:schemeClr val="accent1">
+              <a:shade val="50000"/>
+            </a:schemeClr>
+          </a:lnRef>
+          <a:fillRef idx="1">
+            <a:schemeClr val="accent1"/>
+          </a:fillRef>
+          <a:effectRef idx="0">
+            <a:schemeClr val="accent1"/>
+          </a:effectRef>
+          <a:fontRef idx="minor">
+            <a:schemeClr val="lt1"/>
+          </a:fontRef>
+        </p:style>
+        <p:txBody>
+          <a:bodyPr rtlCol="0" anchor="ctr"/>
+          <a:lstStyle/>
+          <a:p>
+            <a:pPr algn="ctr"/>
+            <a:endParaRPr lang="nl-BE"/>
+          </a:p>
+        </p:txBody>
+      </p:sp>
+      <p:sp>
+        <p:nvSpPr>
+          <p:cNvPr id="12" name="Ovaal 11">
+            <a:extLst>
+              <a:ext uri="{FF2B5EF4-FFF2-40B4-BE49-F238E27FC236}">
+                <a16:creationId xmlns:a16="http://schemas.microsoft.com/office/drawing/2014/main" id="{6F70BDF2-1C0C-3940-84BE-1EC98D002BE9}"/>
+              </a:ext>
+            </a:extLst>
+          </p:cNvPr>
+          <p:cNvSpPr/>
+          <p:nvPr/>
+        </p:nvSpPr>
+        <p:spPr>
+          <a:xfrm>
+            <a:off x="2713990" y="2041525"/>
+            <a:ext cx="217170" cy="217170"/>
+          </a:xfrm>
+          <a:prstGeom prst="ellipse">
+            <a:avLst/>
+          </a:prstGeom>
+          <a:solidFill>
+            <a:schemeClr val="accent1">
+              <a:lumMod val="50000"/>
+            </a:schemeClr>
+          </a:solidFill>
+          <a:ln>
+            <a:solidFill>
+              <a:schemeClr val="accent1">
+                <a:lumMod val="50000"/>
+              </a:schemeClr>
+            </a:solidFill>
+          </a:ln>
+        </p:spPr>
+        <p:style>
+          <a:lnRef idx="2">
+            <a:schemeClr val="accent1">
+              <a:shade val="50000"/>
+            </a:schemeClr>
+          </a:lnRef>
+          <a:fillRef idx="1">
+            <a:schemeClr val="accent1"/>
+          </a:fillRef>
+          <a:effectRef idx="0">
+            <a:schemeClr val="accent1"/>
+          </a:effectRef>
+          <a:fontRef idx="minor">
+            <a:schemeClr val="lt1"/>
+          </a:fontRef>
+        </p:style>
+        <p:txBody>
+          <a:bodyPr rtlCol="0" anchor="ctr"/>
+          <a:lstStyle/>
+          <a:p>
+            <a:pPr algn="ctr"/>
+            <a:endParaRPr lang="nl-BE"/>
+          </a:p>
+        </p:txBody>
+      </p:sp>
+      <p:sp>
+        <p:nvSpPr>
+          <p:cNvPr id="13" name="Ovaal 12">
+            <a:extLst>
+              <a:ext uri="{FF2B5EF4-FFF2-40B4-BE49-F238E27FC236}">
+                <a16:creationId xmlns:a16="http://schemas.microsoft.com/office/drawing/2014/main" id="{FFBC93B1-D731-4045-860D-587ED7F99011}"/>
+              </a:ext>
+            </a:extLst>
+          </p:cNvPr>
+          <p:cNvSpPr/>
+          <p:nvPr/>
+        </p:nvSpPr>
+        <p:spPr>
+          <a:xfrm>
+            <a:off x="2713990" y="2402840"/>
+            <a:ext cx="217170" cy="217170"/>
+          </a:xfrm>
+          <a:prstGeom prst="ellipse">
+            <a:avLst/>
+          </a:prstGeom>
+          <a:solidFill>
+            <a:schemeClr val="accent1">
+              <a:lumMod val="50000"/>
+            </a:schemeClr>
+          </a:solidFill>
+          <a:ln>
+            <a:solidFill>
+              <a:schemeClr val="accent1">
+                <a:lumMod val="50000"/>
+              </a:schemeClr>
+            </a:solidFill>
+          </a:ln>
+        </p:spPr>
+        <p:style>
+          <a:lnRef idx="2">
+            <a:schemeClr val="accent1">
+              <a:shade val="50000"/>
+            </a:schemeClr>
+          </a:lnRef>
+          <a:fillRef idx="1">
+            <a:schemeClr val="accent1"/>
+          </a:fillRef>
+          <a:effectRef idx="0">
+            <a:schemeClr val="accent1"/>
+          </a:effectRef>
+          <a:fontRef idx="minor">
+            <a:schemeClr val="lt1"/>
+          </a:fontRef>
+        </p:style>
+        <p:txBody>
+          <a:bodyPr rtlCol="0" anchor="ctr"/>
+          <a:lstStyle/>
+          <a:p>
+            <a:pPr algn="ctr"/>
+            <a:endParaRPr lang="nl-BE"/>
+          </a:p>
+        </p:txBody>
+      </p:sp>
+      <p:sp>
+        <p:nvSpPr>
+          <p:cNvPr id="14" name="Ovaal 13">
+            <a:extLst>
+              <a:ext uri="{FF2B5EF4-FFF2-40B4-BE49-F238E27FC236}">
+                <a16:creationId xmlns:a16="http://schemas.microsoft.com/office/drawing/2014/main" id="{991565C6-B87B-4242-8CB3-9BE71B0D2EE9}"/>
+              </a:ext>
+            </a:extLst>
+          </p:cNvPr>
+          <p:cNvSpPr/>
+          <p:nvPr/>
+        </p:nvSpPr>
+        <p:spPr>
+          <a:xfrm>
+            <a:off x="3250565" y="2041525"/>
+            <a:ext cx="217170" cy="217170"/>
+          </a:xfrm>
+          <a:prstGeom prst="ellipse">
+            <a:avLst/>
+          </a:prstGeom>
+          <a:solidFill>
+            <a:schemeClr val="accent1">
+              <a:lumMod val="50000"/>
+            </a:schemeClr>
+          </a:solidFill>
+          <a:ln>
+            <a:solidFill>
+              <a:schemeClr val="accent1">
+                <a:lumMod val="50000"/>
+              </a:schemeClr>
+            </a:solidFill>
+          </a:ln>
+        </p:spPr>
+        <p:style>
+          <a:lnRef idx="2">
+            <a:schemeClr val="accent1">
+              <a:shade val="50000"/>
+            </a:schemeClr>
+          </a:lnRef>
+          <a:fillRef idx="1">
+            <a:schemeClr val="accent1"/>
+          </a:fillRef>
+          <a:effectRef idx="0">
+            <a:schemeClr val="accent1"/>
+          </a:effectRef>
+          <a:fontRef idx="minor">
+            <a:schemeClr val="lt1"/>
+          </a:fontRef>
+        </p:style>
+        <p:txBody>
+          <a:bodyPr rtlCol="0" anchor="ctr"/>
+          <a:lstStyle/>
+          <a:p>
+            <a:pPr algn="ctr"/>
+            <a:endParaRPr lang="nl-BE"/>
+          </a:p>
+        </p:txBody>
+      </p:sp>
+      <p:sp>
+        <p:nvSpPr>
+          <p:cNvPr id="17" name="Ovaal 16">
+            <a:extLst>
+              <a:ext uri="{FF2B5EF4-FFF2-40B4-BE49-F238E27FC236}">
+                <a16:creationId xmlns:a16="http://schemas.microsoft.com/office/drawing/2014/main" id="{D9FA879C-E075-844F-BDD4-1E71375D9627}"/>
+              </a:ext>
+            </a:extLst>
+          </p:cNvPr>
+          <p:cNvSpPr/>
+          <p:nvPr/>
+        </p:nvSpPr>
+        <p:spPr>
+          <a:xfrm>
+            <a:off x="2407285" y="2423160"/>
+            <a:ext cx="217170" cy="217170"/>
+          </a:xfrm>
+          <a:prstGeom prst="ellipse">
+            <a:avLst/>
+          </a:prstGeom>
+          <a:solidFill>
+            <a:schemeClr val="accent1">
+              <a:lumMod val="50000"/>
+            </a:schemeClr>
+          </a:solidFill>
+          <a:ln>
+            <a:solidFill>
+              <a:schemeClr val="accent1">
+                <a:lumMod val="50000"/>
+              </a:schemeClr>
+            </a:solidFill>
+          </a:ln>
+        </p:spPr>
+        <p:style>
+          <a:lnRef idx="2">
+            <a:schemeClr val="accent1">
+              <a:shade val="50000"/>
+            </a:schemeClr>
+          </a:lnRef>
+          <a:fillRef idx="1">
+            <a:schemeClr val="accent1"/>
+          </a:fillRef>
+          <a:effectRef idx="0">
+            <a:schemeClr val="accent1"/>
+          </a:effectRef>
+          <a:fontRef idx="minor">
+            <a:schemeClr val="lt1"/>
+          </a:fontRef>
+        </p:style>
+        <p:txBody>
+          <a:bodyPr rtlCol="0" anchor="ctr"/>
+          <a:lstStyle/>
+          <a:p>
+            <a:pPr algn="ctr"/>
+            <a:endParaRPr lang="nl-BE"/>
+          </a:p>
+        </p:txBody>
+      </p:sp>
+      <p:sp>
+        <p:nvSpPr>
+          <p:cNvPr id="18" name="Ovaal 17">
+            <a:extLst>
+              <a:ext uri="{FF2B5EF4-FFF2-40B4-BE49-F238E27FC236}">
+                <a16:creationId xmlns:a16="http://schemas.microsoft.com/office/drawing/2014/main" id="{55541348-6AE4-434E-AA04-DDD79630BA05}"/>
+              </a:ext>
+            </a:extLst>
+          </p:cNvPr>
+          <p:cNvSpPr/>
+          <p:nvPr/>
+        </p:nvSpPr>
+        <p:spPr>
+          <a:xfrm>
+            <a:off x="3012918" y="2429511"/>
+            <a:ext cx="217170" cy="217170"/>
+          </a:xfrm>
+          <a:prstGeom prst="ellipse">
+            <a:avLst/>
+          </a:prstGeom>
+          <a:solidFill>
+            <a:schemeClr val="accent1">
+              <a:lumMod val="50000"/>
+            </a:schemeClr>
+          </a:solidFill>
+          <a:ln>
+            <a:solidFill>
+              <a:schemeClr val="accent1">
+                <a:lumMod val="50000"/>
+              </a:schemeClr>
+            </a:solidFill>
+          </a:ln>
+        </p:spPr>
+        <p:style>
+          <a:lnRef idx="2">
+            <a:schemeClr val="accent1">
+              <a:shade val="50000"/>
+            </a:schemeClr>
+          </a:lnRef>
+          <a:fillRef idx="1">
+            <a:schemeClr val="accent1"/>
+          </a:fillRef>
+          <a:effectRef idx="0">
+            <a:schemeClr val="accent1"/>
+          </a:effectRef>
+          <a:fontRef idx="minor">
+            <a:schemeClr val="lt1"/>
+          </a:fontRef>
+        </p:style>
+        <p:txBody>
+          <a:bodyPr rtlCol="0" anchor="ctr"/>
+          <a:lstStyle/>
+          <a:p>
+            <a:pPr algn="ctr"/>
+            <a:endParaRPr lang="nl-BE"/>
+          </a:p>
+        </p:txBody>
+      </p:sp>
+      <p:cxnSp>
+        <p:nvCxnSpPr>
+          <p:cNvPr id="20" name="Rechte verbindingslijn 19">
+            <a:extLst>
+              <a:ext uri="{FF2B5EF4-FFF2-40B4-BE49-F238E27FC236}">
+                <a16:creationId xmlns:a16="http://schemas.microsoft.com/office/drawing/2014/main" id="{C335B09A-CD47-C948-B7D0-CD2517B156BE}"/>
+              </a:ext>
+            </a:extLst>
+          </p:cNvPr>
+          <p:cNvCxnSpPr>
+            <a:cxnSpLocks/>
+            <a:stCxn id="12" idx="4"/>
+            <a:endCxn id="13" idx="0"/>
+          </p:cNvCxnSpPr>
+          <p:nvPr/>
+        </p:nvCxnSpPr>
+        <p:spPr>
+          <a:xfrm>
+            <a:off x="2822575" y="2258695"/>
+            <a:ext cx="0" cy="144145"/>
+          </a:xfrm>
+          <a:prstGeom prst="line">
+            <a:avLst/>
+          </a:prstGeom>
+          <a:ln w="76200">
+            <a:solidFill>
+              <a:schemeClr val="accent1">
+                <a:lumMod val="50000"/>
+              </a:schemeClr>
+            </a:solidFill>
+          </a:ln>
+        </p:spPr>
+        <p:style>
+          <a:lnRef idx="1">
+            <a:schemeClr val="accent1"/>
+          </a:lnRef>
+          <a:fillRef idx="0">
+            <a:schemeClr val="accent1"/>
+          </a:fillRef>
+          <a:effectRef idx="0">
+            <a:schemeClr val="accent1"/>
+          </a:effectRef>
+          <a:fontRef idx="minor">
+            <a:schemeClr val="tx1"/>
+          </a:fontRef>
+        </p:style>
+      </p:cxnSp>
+      <p:sp>
+        <p:nvSpPr>
+          <p:cNvPr id="25" name="Ovaal 24">
+            <a:extLst>
+              <a:ext uri="{FF2B5EF4-FFF2-40B4-BE49-F238E27FC236}">
+                <a16:creationId xmlns:a16="http://schemas.microsoft.com/office/drawing/2014/main" id="{6606FB41-117F-C54D-97E5-6A10E2A8047C}"/>
+              </a:ext>
+            </a:extLst>
+          </p:cNvPr>
+          <p:cNvSpPr/>
+          <p:nvPr/>
+        </p:nvSpPr>
+        <p:spPr>
+          <a:xfrm>
+            <a:off x="2720340" y="2752090"/>
+            <a:ext cx="217170" cy="217170"/>
+          </a:xfrm>
+          <a:prstGeom prst="ellipse">
+            <a:avLst/>
+          </a:prstGeom>
+          <a:solidFill>
+            <a:schemeClr val="accent1">
+              <a:lumMod val="50000"/>
+            </a:schemeClr>
+          </a:solidFill>
+          <a:ln>
+            <a:solidFill>
+              <a:schemeClr val="accent1">
+                <a:lumMod val="50000"/>
+              </a:schemeClr>
+            </a:solidFill>
+          </a:ln>
+        </p:spPr>
+        <p:style>
+          <a:lnRef idx="2">
+            <a:schemeClr val="accent1">
+              <a:shade val="50000"/>
+            </a:schemeClr>
+          </a:lnRef>
+          <a:fillRef idx="1">
+            <a:schemeClr val="accent1"/>
+          </a:fillRef>
+          <a:effectRef idx="0">
+            <a:schemeClr val="accent1"/>
+          </a:effectRef>
+          <a:fontRef idx="minor">
+            <a:schemeClr val="lt1"/>
+          </a:fontRef>
+        </p:style>
+        <p:txBody>
+          <a:bodyPr rtlCol="0" anchor="ctr"/>
+          <a:lstStyle/>
+          <a:p>
+            <a:pPr algn="ctr"/>
+            <a:endParaRPr lang="nl-BE"/>
+          </a:p>
+        </p:txBody>
+      </p:sp>
+      <p:cxnSp>
+        <p:nvCxnSpPr>
+          <p:cNvPr id="26" name="Rechte verbindingslijn 25">
+            <a:extLst>
+              <a:ext uri="{FF2B5EF4-FFF2-40B4-BE49-F238E27FC236}">
+                <a16:creationId xmlns:a16="http://schemas.microsoft.com/office/drawing/2014/main" id="{E11CD241-6A49-7E4B-BD11-6C8CB9425C58}"/>
+              </a:ext>
+            </a:extLst>
+          </p:cNvPr>
+          <p:cNvCxnSpPr>
+            <a:cxnSpLocks/>
+            <a:endCxn id="25" idx="0"/>
+          </p:cNvCxnSpPr>
+          <p:nvPr/>
+        </p:nvCxnSpPr>
+        <p:spPr>
+          <a:xfrm>
+            <a:off x="2828925" y="2607945"/>
+            <a:ext cx="0" cy="144145"/>
+          </a:xfrm>
+          <a:prstGeom prst="line">
+            <a:avLst/>
+          </a:prstGeom>
+          <a:ln w="76200">
+            <a:solidFill>
+              <a:schemeClr val="accent1">
+                <a:lumMod val="50000"/>
+              </a:schemeClr>
+            </a:solidFill>
+          </a:ln>
+        </p:spPr>
+        <p:style>
+          <a:lnRef idx="1">
+            <a:schemeClr val="accent1"/>
+          </a:lnRef>
+          <a:fillRef idx="0">
+            <a:schemeClr val="accent1"/>
+          </a:fillRef>
+          <a:effectRef idx="0">
+            <a:schemeClr val="accent1"/>
+          </a:effectRef>
+          <a:fontRef idx="minor">
+            <a:schemeClr val="tx1"/>
+          </a:fontRef>
+        </p:style>
+      </p:cxnSp>
+      <p:sp>
+        <p:nvSpPr>
+          <p:cNvPr id="27" name="Ovaal 26">
+            <a:extLst>
+              <a:ext uri="{FF2B5EF4-FFF2-40B4-BE49-F238E27FC236}">
+                <a16:creationId xmlns:a16="http://schemas.microsoft.com/office/drawing/2014/main" id="{C1252346-C0CA-E24D-966B-A95A4C9F76A7}"/>
+              </a:ext>
+            </a:extLst>
+          </p:cNvPr>
+          <p:cNvSpPr/>
+          <p:nvPr/>
+        </p:nvSpPr>
+        <p:spPr>
+          <a:xfrm>
+            <a:off x="2726690" y="3075940"/>
+            <a:ext cx="217170" cy="217170"/>
+          </a:xfrm>
+          <a:prstGeom prst="ellipse">
+            <a:avLst/>
+          </a:prstGeom>
+          <a:solidFill>
+            <a:schemeClr val="accent1">
+              <a:lumMod val="50000"/>
+            </a:schemeClr>
+          </a:solidFill>
+          <a:ln>
+            <a:solidFill>
+              <a:schemeClr val="accent1">
+                <a:lumMod val="50000"/>
+              </a:schemeClr>
+            </a:solidFill>
+          </a:ln>
+        </p:spPr>
+        <p:style>
+          <a:lnRef idx="2">
+            <a:schemeClr val="accent1">
+              <a:shade val="50000"/>
+            </a:schemeClr>
+          </a:lnRef>
+          <a:fillRef idx="1">
+            <a:schemeClr val="accent1"/>
+          </a:fillRef>
+          <a:effectRef idx="0">
+            <a:schemeClr val="accent1"/>
+          </a:effectRef>
+          <a:fontRef idx="minor">
+            <a:schemeClr val="lt1"/>
+          </a:fontRef>
+        </p:style>
+        <p:txBody>
+          <a:bodyPr rtlCol="0" anchor="ctr"/>
+          <a:lstStyle/>
+          <a:p>
+            <a:pPr algn="ctr"/>
+            <a:endParaRPr lang="nl-BE"/>
+          </a:p>
+        </p:txBody>
+      </p:sp>
+      <p:cxnSp>
+        <p:nvCxnSpPr>
+          <p:cNvPr id="28" name="Rechte verbindingslijn 27">
+            <a:extLst>
+              <a:ext uri="{FF2B5EF4-FFF2-40B4-BE49-F238E27FC236}">
+                <a16:creationId xmlns:a16="http://schemas.microsoft.com/office/drawing/2014/main" id="{57350B2C-12A7-524A-B255-29A9B2C17B77}"/>
+              </a:ext>
+            </a:extLst>
+          </p:cNvPr>
+          <p:cNvCxnSpPr>
+            <a:cxnSpLocks/>
+            <a:endCxn id="27" idx="0"/>
+          </p:cNvCxnSpPr>
+          <p:nvPr/>
+        </p:nvCxnSpPr>
+        <p:spPr>
+          <a:xfrm>
+            <a:off x="2835275" y="2931795"/>
+            <a:ext cx="0" cy="144145"/>
+          </a:xfrm>
+          <a:prstGeom prst="line">
+            <a:avLst/>
+          </a:prstGeom>
+          <a:ln w="76200">
+            <a:solidFill>
+              <a:schemeClr val="accent1">
+                <a:lumMod val="50000"/>
+              </a:schemeClr>
+            </a:solidFill>
+          </a:ln>
+        </p:spPr>
+        <p:style>
+          <a:lnRef idx="1">
+            <a:schemeClr val="accent1"/>
+          </a:lnRef>
+          <a:fillRef idx="0">
+            <a:schemeClr val="accent1"/>
+          </a:fillRef>
+          <a:effectRef idx="0">
+            <a:schemeClr val="accent1"/>
+          </a:effectRef>
+          <a:fontRef idx="minor">
+            <a:schemeClr val="tx1"/>
+          </a:fontRef>
+        </p:style>
+      </p:cxnSp>
+      <p:cxnSp>
+        <p:nvCxnSpPr>
+          <p:cNvPr id="29" name="Rechte verbindingslijn 28">
+            <a:extLst>
+              <a:ext uri="{FF2B5EF4-FFF2-40B4-BE49-F238E27FC236}">
+                <a16:creationId xmlns:a16="http://schemas.microsoft.com/office/drawing/2014/main" id="{FFE9213C-14D1-E34A-8D79-AE1B85D697BF}"/>
+              </a:ext>
+            </a:extLst>
+          </p:cNvPr>
+          <p:cNvCxnSpPr>
+            <a:cxnSpLocks/>
+            <a:endCxn id="12" idx="7"/>
+          </p:cNvCxnSpPr>
+          <p:nvPr/>
+        </p:nvCxnSpPr>
+        <p:spPr>
+          <a:xfrm flipH="1">
+            <a:off x="2899356" y="1969452"/>
+            <a:ext cx="142930" cy="103877"/>
+          </a:xfrm>
+          <a:prstGeom prst="line">
+            <a:avLst/>
+          </a:prstGeom>
+          <a:ln w="76200">
+            <a:solidFill>
+              <a:schemeClr val="accent1">
+                <a:lumMod val="50000"/>
+              </a:schemeClr>
+            </a:solidFill>
+          </a:ln>
+        </p:spPr>
+        <p:style>
+          <a:lnRef idx="1">
+            <a:schemeClr val="accent1"/>
+          </a:lnRef>
+          <a:fillRef idx="0">
+            <a:schemeClr val="accent1"/>
+          </a:fillRef>
+          <a:effectRef idx="0">
+            <a:schemeClr val="accent1"/>
+          </a:effectRef>
+          <a:fontRef idx="minor">
+            <a:schemeClr val="tx1"/>
+          </a:fontRef>
+        </p:style>
+      </p:cxnSp>
+      <p:cxnSp>
+        <p:nvCxnSpPr>
+          <p:cNvPr id="31" name="Rechte verbindingslijn 30">
+            <a:extLst>
+              <a:ext uri="{FF2B5EF4-FFF2-40B4-BE49-F238E27FC236}">
+                <a16:creationId xmlns:a16="http://schemas.microsoft.com/office/drawing/2014/main" id="{4374DDB2-6B08-3448-86F2-064620C17F0A}"/>
+              </a:ext>
+            </a:extLst>
+          </p:cNvPr>
+          <p:cNvCxnSpPr>
+            <a:cxnSpLocks/>
+            <a:endCxn id="11" idx="5"/>
+          </p:cNvCxnSpPr>
+          <p:nvPr/>
+        </p:nvCxnSpPr>
+        <p:spPr>
+          <a:xfrm flipH="1" flipV="1">
+            <a:off x="3182884" y="1968446"/>
+            <a:ext cx="99488" cy="129726"/>
+          </a:xfrm>
+          <a:prstGeom prst="line">
+            <a:avLst/>
+          </a:prstGeom>
+          <a:ln w="76200">
+            <a:solidFill>
+              <a:schemeClr val="accent1">
+                <a:lumMod val="50000"/>
+              </a:schemeClr>
+            </a:solidFill>
+          </a:ln>
+        </p:spPr>
+        <p:style>
+          <a:lnRef idx="1">
+            <a:schemeClr val="accent1"/>
+          </a:lnRef>
+          <a:fillRef idx="0">
+            <a:schemeClr val="accent1"/>
+          </a:fillRef>
+          <a:effectRef idx="0">
+            <a:schemeClr val="accent1"/>
+          </a:effectRef>
+          <a:fontRef idx="minor">
+            <a:schemeClr val="tx1"/>
+          </a:fontRef>
+        </p:style>
+      </p:cxnSp>
+      <p:cxnSp>
+        <p:nvCxnSpPr>
+          <p:cNvPr id="33" name="Rechte verbindingslijn 32">
+            <a:extLst>
+              <a:ext uri="{FF2B5EF4-FFF2-40B4-BE49-F238E27FC236}">
+                <a16:creationId xmlns:a16="http://schemas.microsoft.com/office/drawing/2014/main" id="{1C9CB841-793E-AC43-8B38-9661F68C7BE4}"/>
+              </a:ext>
+            </a:extLst>
+          </p:cNvPr>
+          <p:cNvCxnSpPr>
+            <a:cxnSpLocks/>
+            <a:endCxn id="17" idx="6"/>
+          </p:cNvCxnSpPr>
+          <p:nvPr/>
+        </p:nvCxnSpPr>
+        <p:spPr>
+          <a:xfrm flipH="1">
+            <a:off x="2624455" y="2531745"/>
+            <a:ext cx="137162" cy="0"/>
+          </a:xfrm>
+          <a:prstGeom prst="line">
+            <a:avLst/>
+          </a:prstGeom>
+          <a:ln w="76200">
+            <a:solidFill>
+              <a:schemeClr val="accent1">
+                <a:lumMod val="50000"/>
+              </a:schemeClr>
+            </a:solidFill>
+          </a:ln>
+        </p:spPr>
+        <p:style>
+          <a:lnRef idx="1">
+            <a:schemeClr val="accent1"/>
+          </a:lnRef>
+          <a:fillRef idx="0">
+            <a:schemeClr val="accent1"/>
+          </a:fillRef>
+          <a:effectRef idx="0">
+            <a:schemeClr val="accent1"/>
+          </a:effectRef>
+          <a:fontRef idx="minor">
+            <a:schemeClr val="tx1"/>
+          </a:fontRef>
+        </p:style>
+      </p:cxnSp>
+      <p:cxnSp>
+        <p:nvCxnSpPr>
+          <p:cNvPr id="37" name="Rechte verbindingslijn 36">
+            <a:extLst>
+              <a:ext uri="{FF2B5EF4-FFF2-40B4-BE49-F238E27FC236}">
+                <a16:creationId xmlns:a16="http://schemas.microsoft.com/office/drawing/2014/main" id="{72E95361-B1C1-EA4E-B73E-44BC29874F60}"/>
+              </a:ext>
+            </a:extLst>
+          </p:cNvPr>
+          <p:cNvCxnSpPr>
+            <a:cxnSpLocks/>
+          </p:cNvCxnSpPr>
+          <p:nvPr/>
+        </p:nvCxnSpPr>
+        <p:spPr>
+          <a:xfrm flipH="1">
+            <a:off x="2929255" y="2531745"/>
+            <a:ext cx="137162" cy="0"/>
+          </a:xfrm>
+          <a:prstGeom prst="line">
+            <a:avLst/>
+          </a:prstGeom>
+          <a:ln w="76200">
+            <a:solidFill>
+              <a:schemeClr val="accent1">
+                <a:lumMod val="50000"/>
+              </a:schemeClr>
+            </a:solidFill>
+          </a:ln>
+        </p:spPr>
+        <p:style>
+          <a:lnRef idx="1">
+            <a:schemeClr val="accent1"/>
+          </a:lnRef>
+          <a:fillRef idx="0">
+            <a:schemeClr val="accent1"/>
+          </a:fillRef>
+          <a:effectRef idx="0">
+            <a:schemeClr val="accent1"/>
+          </a:effectRef>
+          <a:fontRef idx="minor">
+            <a:schemeClr val="tx1"/>
+          </a:fontRef>
+        </p:style>
+      </p:cxnSp>
+      <p:cxnSp>
+        <p:nvCxnSpPr>
+          <p:cNvPr id="38" name="Rechte verbindingslijn 37">
+            <a:extLst>
+              <a:ext uri="{FF2B5EF4-FFF2-40B4-BE49-F238E27FC236}">
+                <a16:creationId xmlns:a16="http://schemas.microsoft.com/office/drawing/2014/main" id="{790AD9C6-E88D-7A43-B450-586206623473}"/>
+              </a:ext>
+            </a:extLst>
+          </p:cNvPr>
+          <p:cNvCxnSpPr>
+            <a:cxnSpLocks/>
+          </p:cNvCxnSpPr>
+          <p:nvPr/>
+        </p:nvCxnSpPr>
+        <p:spPr>
+          <a:xfrm flipH="1">
+            <a:off x="3447622" y="2000250"/>
+            <a:ext cx="229028" cy="128719"/>
+          </a:xfrm>
+          <a:prstGeom prst="line">
+            <a:avLst/>
+          </a:prstGeom>
+          <a:ln w="76200">
+            <a:solidFill>
+              <a:schemeClr val="accent1">
+                <a:lumMod val="50000"/>
+              </a:schemeClr>
+            </a:solidFill>
+          </a:ln>
+        </p:spPr>
+        <p:style>
+          <a:lnRef idx="1">
+            <a:schemeClr val="accent1"/>
+          </a:lnRef>
+          <a:fillRef idx="0">
+            <a:schemeClr val="accent1"/>
+          </a:fillRef>
+          <a:effectRef idx="0">
+            <a:schemeClr val="accent1"/>
+          </a:effectRef>
+          <a:fontRef idx="minor">
+            <a:schemeClr val="tx1"/>
+          </a:fontRef>
+        </p:style>
+      </p:cxnSp>
+      <p:cxnSp>
+        <p:nvCxnSpPr>
+          <p:cNvPr id="41" name="Rechte verbindingslijn 40">
+            <a:extLst>
+              <a:ext uri="{FF2B5EF4-FFF2-40B4-BE49-F238E27FC236}">
+                <a16:creationId xmlns:a16="http://schemas.microsoft.com/office/drawing/2014/main" id="{AB8D28D1-3F21-854E-99B8-11139C64BC12}"/>
+              </a:ext>
+            </a:extLst>
+          </p:cNvPr>
+          <p:cNvCxnSpPr>
+            <a:cxnSpLocks/>
+          </p:cNvCxnSpPr>
+          <p:nvPr/>
+        </p:nvCxnSpPr>
+        <p:spPr>
+          <a:xfrm flipH="1">
+            <a:off x="2608580" y="3191285"/>
+            <a:ext cx="229028" cy="128719"/>
+          </a:xfrm>
+          <a:prstGeom prst="line">
+            <a:avLst/>
+          </a:prstGeom>
+          <a:ln w="76200">
+            <a:solidFill>
+              <a:schemeClr val="accent1">
+                <a:lumMod val="50000"/>
+              </a:schemeClr>
+            </a:solidFill>
+          </a:ln>
+        </p:spPr>
+        <p:style>
+          <a:lnRef idx="1">
+            <a:schemeClr val="accent1"/>
+          </a:lnRef>
+          <a:fillRef idx="0">
+            <a:schemeClr val="accent1"/>
+          </a:fillRef>
+          <a:effectRef idx="0">
+            <a:schemeClr val="accent1"/>
+          </a:effectRef>
+          <a:fontRef idx="minor">
+            <a:schemeClr val="tx1"/>
+          </a:fontRef>
+        </p:style>
+      </p:cxnSp>
+      <p:cxnSp>
+        <p:nvCxnSpPr>
+          <p:cNvPr id="42" name="Rechte verbindingslijn 41">
+            <a:extLst>
+              <a:ext uri="{FF2B5EF4-FFF2-40B4-BE49-F238E27FC236}">
+                <a16:creationId xmlns:a16="http://schemas.microsoft.com/office/drawing/2014/main" id="{963E5418-208E-4341-914F-DBB6EC48EFB3}"/>
+              </a:ext>
+            </a:extLst>
+          </p:cNvPr>
+          <p:cNvCxnSpPr>
+            <a:cxnSpLocks/>
+            <a:stCxn id="17" idx="2"/>
+          </p:cNvCxnSpPr>
+          <p:nvPr/>
+        </p:nvCxnSpPr>
+        <p:spPr>
+          <a:xfrm flipH="1" flipV="1">
+            <a:off x="2116767" y="2387415"/>
+            <a:ext cx="290518" cy="144330"/>
+          </a:xfrm>
+          <a:prstGeom prst="line">
+            <a:avLst/>
+          </a:prstGeom>
+          <a:ln w="76200">
+            <a:solidFill>
+              <a:schemeClr val="accent1">
+                <a:lumMod val="50000"/>
+              </a:schemeClr>
+            </a:solidFill>
+          </a:ln>
+        </p:spPr>
+        <p:style>
+          <a:lnRef idx="1">
+            <a:schemeClr val="accent1"/>
+          </a:lnRef>
+          <a:fillRef idx="0">
+            <a:schemeClr val="accent1"/>
+          </a:fillRef>
+          <a:effectRef idx="0">
+            <a:schemeClr val="accent1"/>
+          </a:effectRef>
+          <a:fontRef idx="minor">
+            <a:schemeClr val="tx1"/>
+          </a:fontRef>
+        </p:style>
+      </p:cxnSp>
+      <p:cxnSp>
+        <p:nvCxnSpPr>
+          <p:cNvPr id="44" name="Rechte verbindingslijn 43">
+            <a:extLst>
+              <a:ext uri="{FF2B5EF4-FFF2-40B4-BE49-F238E27FC236}">
+                <a16:creationId xmlns:a16="http://schemas.microsoft.com/office/drawing/2014/main" id="{36006C8F-FD57-FA49-8201-2360E42FC197}"/>
+              </a:ext>
+            </a:extLst>
+          </p:cNvPr>
+          <p:cNvCxnSpPr>
+            <a:cxnSpLocks/>
+          </p:cNvCxnSpPr>
+          <p:nvPr/>
+        </p:nvCxnSpPr>
+        <p:spPr>
+          <a:xfrm flipH="1" flipV="1">
+            <a:off x="3214688" y="2568166"/>
+            <a:ext cx="538680" cy="401094"/>
+          </a:xfrm>
+          <a:prstGeom prst="line">
+            <a:avLst/>
+          </a:prstGeom>
+          <a:ln w="76200">
+            <a:solidFill>
+              <a:schemeClr val="accent1">
+                <a:lumMod val="50000"/>
+              </a:schemeClr>
+            </a:solidFill>
+          </a:ln>
+        </p:spPr>
+        <p:style>
+          <a:lnRef idx="1">
+            <a:schemeClr val="accent1"/>
+          </a:lnRef>
+          <a:fillRef idx="0">
+            <a:schemeClr val="accent1"/>
+          </a:fillRef>
+          <a:effectRef idx="0">
+            <a:schemeClr val="accent1"/>
+          </a:effectRef>
+          <a:fontRef idx="minor">
+            <a:schemeClr val="tx1"/>
+          </a:fontRef>
+        </p:style>
+      </p:cxnSp>
+    </p:spTree>
+    <p:extLst>
+      <p:ext uri="{BB962C8B-B14F-4D97-AF65-F5344CB8AC3E}">
+        <p14:creationId xmlns:p14="http://schemas.microsoft.com/office/powerpoint/2010/main" val="3179433362"/>
+      </p:ext>
+    </p:extLst>
+  </p:cSld>
+  <p:clrMapOvr>
+    <a:masterClrMapping/>
+  </p:clrMapOvr>
+</p:sld>
+</file>
+
 <file path=ppt/slides/slide3.xml><?xml version="1.0" encoding="utf-8"?>
 <p:sld xmlns:a="http://schemas.openxmlformats.org/drawingml/2006/main" xmlns:r="http://schemas.openxmlformats.org/officeDocument/2006/relationships" xmlns:p="http://schemas.openxmlformats.org/presentationml/2006/main">
   <p:cSld>
